--- a/简介.pptx
+++ b/简介.pptx
@@ -7,7 +7,7 @@
     <p:sldMasterId id="2147483690" r:id="rId3"/>
   </p:sldMasterIdLst>
   <p:notesMasterIdLst>
-    <p:notesMasterId r:id="rId12"/>
+    <p:notesMasterId r:id="rId15"/>
   </p:notesMasterIdLst>
   <p:sldIdLst>
     <p:sldId id="513" r:id="rId4"/>
@@ -16,13 +16,16 @@
     <p:sldId id="606" r:id="rId7"/>
     <p:sldId id="608" r:id="rId8"/>
     <p:sldId id="603" r:id="rId9"/>
-    <p:sldId id="609" r:id="rId10"/>
-    <p:sldId id="607" r:id="rId11"/>
+    <p:sldId id="610" r:id="rId10"/>
+    <p:sldId id="611" r:id="rId11"/>
+    <p:sldId id="612" r:id="rId12"/>
+    <p:sldId id="609" r:id="rId13"/>
+    <p:sldId id="607" r:id="rId14"/>
   </p:sldIdLst>
   <p:sldSz cx="12192000" cy="6858000"/>
   <p:notesSz cx="6858000" cy="9144000"/>
   <p:custDataLst>
-    <p:tags r:id="rId13"/>
+    <p:tags r:id="rId16"/>
   </p:custDataLst>
   <p:defaultTextStyle>
     <a:defPPr>
@@ -160,6 +163,9 @@
             <p14:sldId id="606"/>
             <p14:sldId id="608"/>
             <p14:sldId id="603"/>
+            <p14:sldId id="610"/>
+            <p14:sldId id="611"/>
+            <p14:sldId id="612"/>
             <p14:sldId id="609"/>
             <p14:sldId id="607"/>
           </p14:sldIdLst>
@@ -275,7 +281,7 @@
           <a:p>
             <a:fld id="{0AB425A7-BB31-4AA7-812E-6A317F667028}" type="datetimeFigureOut">
               <a:rPr lang="zh-CN" altLang="en-US" smtClean="0"/>
-              <a:t>2024/7/5</a:t>
+              <a:t>2024/7/8</a:t>
             </a:fld>
             <a:endParaRPr lang="zh-CN" altLang="en-US"/>
           </a:p>
@@ -4918,7 +4924,7 @@
                 <a:ea typeface="微软雅黑" panose="020B0503020204020204" pitchFamily="34" charset="-122"/>
                 <a:cs typeface="+mn-cs"/>
               </a:rPr>
-              <a:t>2024/7/5</a:t>
+              <a:t>2024/7/8</a:t>
             </a:fld>
             <a:endParaRPr kumimoji="0" lang="zh-CN" altLang="en-US" sz="1800" b="0" i="0" u="none" strike="noStrike" kern="1200" cap="none" spc="0" normalizeH="0" baseline="0" noProof="0" dirty="0">
               <a:ln>
@@ -9216,6 +9222,1090 @@
 </p:sld>
 </file>
 
+<file path=ppt/slides/slide10.xml><?xml version="1.0" encoding="utf-8"?>
+<p:sld xmlns:a="http://schemas.openxmlformats.org/drawingml/2006/main" xmlns:r="http://schemas.openxmlformats.org/officeDocument/2006/relationships" xmlns:p="http://schemas.openxmlformats.org/presentationml/2006/main">
+  <p:cSld>
+    <p:spTree>
+      <p:nvGrpSpPr>
+        <p:cNvPr id="1" name=""/>
+        <p:cNvGrpSpPr/>
+        <p:nvPr/>
+      </p:nvGrpSpPr>
+      <p:grpSpPr>
+        <a:xfrm>
+          <a:off x="0" y="0"/>
+          <a:ext cx="0" cy="0"/>
+          <a:chOff x="0" y="0"/>
+          <a:chExt cx="0" cy="0"/>
+        </a:xfrm>
+      </p:grpSpPr>
+      <p:sp>
+        <p:nvSpPr>
+          <p:cNvPr id="2" name="灯片编号占位符 1">
+            <a:extLst>
+              <a:ext uri="{FF2B5EF4-FFF2-40B4-BE49-F238E27FC236}">
+                <a16:creationId xmlns:a16="http://schemas.microsoft.com/office/drawing/2014/main" id="{8F657C77-D2F8-58D6-4551-4611B3607013}"/>
+              </a:ext>
+            </a:extLst>
+          </p:cNvPr>
+          <p:cNvSpPr>
+            <a:spLocks noGrp="1"/>
+          </p:cNvSpPr>
+          <p:nvPr>
+            <p:ph type="sldNum" sz="quarter" idx="10"/>
+          </p:nvPr>
+        </p:nvSpPr>
+        <p:spPr/>
+        <p:txBody>
+          <a:bodyPr/>
+          <a:lstStyle/>
+          <a:p>
+            <a:pPr marL="0" marR="0" lvl="0" indent="0" algn="r" defTabSz="914400" rtl="0" eaLnBrk="0" fontAlgn="base" latinLnBrk="0" hangingPunct="0">
+              <a:lnSpc>
+                <a:spcPct val="100000"/>
+              </a:lnSpc>
+              <a:spcBef>
+                <a:spcPct val="0"/>
+              </a:spcBef>
+              <a:spcAft>
+                <a:spcPct val="0"/>
+              </a:spcAft>
+              <a:buClrTx/>
+              <a:buSzTx/>
+              <a:buFontTx/>
+              <a:buNone/>
+              <a:tabLst/>
+              <a:defRPr/>
+            </a:pPr>
+            <a:fld id="{6D4C5065-FF2D-4AF9-9993-DC80EA82CC7E}" type="slidenum">
+              <a:rPr kumimoji="0" lang="zh-CN" altLang="en-US" sz="1200" b="0" i="0" u="none" strike="noStrike" kern="1200" cap="none" spc="0" normalizeH="0" baseline="0" noProof="0" smtClean="0">
+                <a:ln>
+                  <a:noFill/>
+                </a:ln>
+                <a:solidFill>
+                  <a:srgbClr val="2F4D73"/>
+                </a:solidFill>
+                <a:effectLst/>
+                <a:uLnTx/>
+                <a:uFillTx/>
+                <a:latin typeface="Calibri" panose="020F0502020204030204" pitchFamily="34" charset="0"/>
+                <a:ea typeface="宋体" panose="02010600030101010101" pitchFamily="2" charset="-122"/>
+                <a:cs typeface="+mn-cs"/>
+              </a:rPr>
+              <a:pPr marL="0" marR="0" lvl="0" indent="0" algn="r" defTabSz="914400" rtl="0" eaLnBrk="0" fontAlgn="base" latinLnBrk="0" hangingPunct="0">
+                <a:lnSpc>
+                  <a:spcPct val="100000"/>
+                </a:lnSpc>
+                <a:spcBef>
+                  <a:spcPct val="0"/>
+                </a:spcBef>
+                <a:spcAft>
+                  <a:spcPct val="0"/>
+                </a:spcAft>
+                <a:buClrTx/>
+                <a:buSzTx/>
+                <a:buFontTx/>
+                <a:buNone/>
+                <a:tabLst/>
+                <a:defRPr/>
+              </a:pPr>
+              <a:t>10</a:t>
+            </a:fld>
+            <a:endParaRPr kumimoji="0" lang="zh-CN" altLang="en-US" sz="1200" b="0" i="0" u="none" strike="noStrike" kern="1200" cap="none" spc="0" normalizeH="0" baseline="0" noProof="0">
+              <a:ln>
+                <a:noFill/>
+              </a:ln>
+              <a:solidFill>
+                <a:srgbClr val="2F4D73"/>
+              </a:solidFill>
+              <a:effectLst/>
+              <a:uLnTx/>
+              <a:uFillTx/>
+              <a:latin typeface="Calibri" panose="020F0502020204030204" pitchFamily="34" charset="0"/>
+              <a:ea typeface="宋体" panose="02010600030101010101" pitchFamily="2" charset="-122"/>
+              <a:cs typeface="+mn-cs"/>
+            </a:endParaRPr>
+          </a:p>
+        </p:txBody>
+      </p:sp>
+      <p:sp>
+        <p:nvSpPr>
+          <p:cNvPr id="7" name="Rectangle 4">
+            <a:extLst>
+              <a:ext uri="{FF2B5EF4-FFF2-40B4-BE49-F238E27FC236}">
+                <a16:creationId xmlns:a16="http://schemas.microsoft.com/office/drawing/2014/main" id="{2328B997-D9AD-5AE8-ED6C-D970AA84644B}"/>
+              </a:ext>
+            </a:extLst>
+          </p:cNvPr>
+          <p:cNvSpPr>
+            <a:spLocks noChangeArrowheads="1"/>
+          </p:cNvSpPr>
+          <p:nvPr/>
+        </p:nvSpPr>
+        <p:spPr bwMode="auto">
+          <a:xfrm>
+            <a:off x="0" y="0"/>
+            <a:ext cx="12192000" cy="0"/>
+          </a:xfrm>
+          <a:prstGeom prst="rect">
+            <a:avLst/>
+          </a:prstGeom>
+          <a:noFill/>
+          <a:ln>
+            <a:noFill/>
+          </a:ln>
+          <a:effectLst/>
+          <a:extLst>
+            <a:ext uri="{909E8E84-426E-40DD-AFC4-6F175D3DCCD1}">
+              <a14:hiddenFill xmlns:a14="http://schemas.microsoft.com/office/drawing/2010/main">
+                <a:solidFill>
+                  <a:schemeClr val="accent1"/>
+                </a:solidFill>
+              </a14:hiddenFill>
+            </a:ext>
+            <a:ext uri="{91240B29-F687-4F45-9708-019B960494DF}">
+              <a14:hiddenLine xmlns:a14="http://schemas.microsoft.com/office/drawing/2010/main" w="9525">
+                <a:solidFill>
+                  <a:schemeClr val="tx1"/>
+                </a:solidFill>
+                <a:miter lim="800000"/>
+                <a:headEnd/>
+                <a:tailEnd/>
+              </a14:hiddenLine>
+            </a:ext>
+            <a:ext uri="{AF507438-7753-43E0-B8FC-AC1667EBCBE1}">
+              <a14:hiddenEffects xmlns:a14="http://schemas.microsoft.com/office/drawing/2010/main">
+                <a:effectLst>
+                  <a:outerShdw dist="35921" dir="2700000" algn="ctr" rotWithShape="0">
+                    <a:schemeClr val="bg2"/>
+                  </a:outerShdw>
+                </a:effectLst>
+              </a14:hiddenEffects>
+            </a:ext>
+          </a:extLst>
+        </p:spPr>
+        <p:txBody>
+          <a:bodyPr vert="horz" wrap="none" lIns="91440" tIns="45720" rIns="91440" bIns="45720" numCol="1" anchor="ctr" anchorCtr="0" compatLnSpc="1">
+            <a:prstTxWarp prst="textNoShape">
+              <a:avLst/>
+            </a:prstTxWarp>
+            <a:spAutoFit/>
+          </a:bodyPr>
+          <a:lstStyle/>
+          <a:p>
+            <a:pPr marL="0" marR="0" lvl="0" indent="0" algn="l" defTabSz="914400" rtl="0" eaLnBrk="0" fontAlgn="base" latinLnBrk="0" hangingPunct="0">
+              <a:lnSpc>
+                <a:spcPct val="100000"/>
+              </a:lnSpc>
+              <a:spcBef>
+                <a:spcPct val="0"/>
+              </a:spcBef>
+              <a:spcAft>
+                <a:spcPct val="0"/>
+              </a:spcAft>
+              <a:buClrTx/>
+              <a:buSzTx/>
+              <a:buFontTx/>
+              <a:buNone/>
+              <a:tabLst/>
+              <a:defRPr/>
+            </a:pPr>
+            <a:endParaRPr kumimoji="0" lang="zh-CN" altLang="en-US" sz="1800" b="0" i="0" u="none" strike="noStrike" kern="1200" cap="none" spc="0" normalizeH="0" baseline="0" noProof="0">
+              <a:ln>
+                <a:noFill/>
+              </a:ln>
+              <a:solidFill>
+                <a:srgbClr val="000000"/>
+              </a:solidFill>
+              <a:effectLst/>
+              <a:uLnTx/>
+              <a:uFillTx/>
+              <a:latin typeface="Calibri" panose="020F0502020204030204" pitchFamily="34" charset="0"/>
+              <a:ea typeface="宋体" panose="02010600030101010101" pitchFamily="2" charset="-122"/>
+              <a:cs typeface="+mn-cs"/>
+            </a:endParaRPr>
+          </a:p>
+        </p:txBody>
+      </p:sp>
+      <p:sp>
+        <p:nvSpPr>
+          <p:cNvPr id="11" name="文本框 2">
+            <a:extLst>
+              <a:ext uri="{FF2B5EF4-FFF2-40B4-BE49-F238E27FC236}">
+                <a16:creationId xmlns:a16="http://schemas.microsoft.com/office/drawing/2014/main" id="{E021EA55-0D4C-9C0F-DDCB-D99414B2F02F}"/>
+              </a:ext>
+            </a:extLst>
+          </p:cNvPr>
+          <p:cNvSpPr txBox="1">
+            <a:spLocks noChangeArrowheads="1"/>
+          </p:cNvSpPr>
+          <p:nvPr/>
+        </p:nvSpPr>
+        <p:spPr bwMode="auto">
+          <a:xfrm>
+            <a:off x="995221" y="118411"/>
+            <a:ext cx="5570756" cy="523220"/>
+          </a:xfrm>
+          <a:prstGeom prst="rect">
+            <a:avLst/>
+          </a:prstGeom>
+          <a:noFill/>
+          <a:ln>
+            <a:noFill/>
+          </a:ln>
+          <a:extLst>
+            <a:ext uri="{909E8E84-426E-40DD-AFC4-6F175D3DCCD1}">
+              <a14:hiddenFill xmlns:a14="http://schemas.microsoft.com/office/drawing/2010/main">
+                <a:solidFill>
+                  <a:srgbClr val="FFFFFF"/>
+                </a:solidFill>
+              </a14:hiddenFill>
+            </a:ext>
+            <a:ext uri="{91240B29-F687-4F45-9708-019B960494DF}">
+              <a14:hiddenLine xmlns:a14="http://schemas.microsoft.com/office/drawing/2010/main" w="9525">
+                <a:solidFill>
+                  <a:srgbClr val="000000"/>
+                </a:solidFill>
+                <a:miter lim="800000"/>
+                <a:headEnd/>
+                <a:tailEnd/>
+              </a14:hiddenLine>
+            </a:ext>
+          </a:extLst>
+        </p:spPr>
+        <p:txBody>
+          <a:bodyPr wrap="none">
+            <a:spAutoFit/>
+          </a:bodyPr>
+          <a:lstStyle>
+            <a:lvl1pPr>
+              <a:defRPr>
+                <a:solidFill>
+                  <a:schemeClr val="tx1"/>
+                </a:solidFill>
+                <a:latin typeface="Calibri" panose="020F0502020204030204" pitchFamily="34" charset="0"/>
+                <a:ea typeface="宋体" panose="02010600030101010101" pitchFamily="2" charset="-122"/>
+              </a:defRPr>
+            </a:lvl1pPr>
+            <a:lvl2pPr marL="742950" indent="-285750">
+              <a:defRPr>
+                <a:solidFill>
+                  <a:schemeClr val="tx1"/>
+                </a:solidFill>
+                <a:latin typeface="Calibri" panose="020F0502020204030204" pitchFamily="34" charset="0"/>
+                <a:ea typeface="宋体" panose="02010600030101010101" pitchFamily="2" charset="-122"/>
+              </a:defRPr>
+            </a:lvl2pPr>
+            <a:lvl3pPr marL="1143000" indent="-228600">
+              <a:defRPr>
+                <a:solidFill>
+                  <a:schemeClr val="tx1"/>
+                </a:solidFill>
+                <a:latin typeface="Calibri" panose="020F0502020204030204" pitchFamily="34" charset="0"/>
+                <a:ea typeface="宋体" panose="02010600030101010101" pitchFamily="2" charset="-122"/>
+              </a:defRPr>
+            </a:lvl3pPr>
+            <a:lvl4pPr marL="1600200" indent="-228600">
+              <a:defRPr>
+                <a:solidFill>
+                  <a:schemeClr val="tx1"/>
+                </a:solidFill>
+                <a:latin typeface="Calibri" panose="020F0502020204030204" pitchFamily="34" charset="0"/>
+                <a:ea typeface="宋体" panose="02010600030101010101" pitchFamily="2" charset="-122"/>
+              </a:defRPr>
+            </a:lvl4pPr>
+            <a:lvl5pPr marL="2057400" indent="-228600">
+              <a:defRPr>
+                <a:solidFill>
+                  <a:schemeClr val="tx1"/>
+                </a:solidFill>
+                <a:latin typeface="Calibri" panose="020F0502020204030204" pitchFamily="34" charset="0"/>
+                <a:ea typeface="宋体" panose="02010600030101010101" pitchFamily="2" charset="-122"/>
+              </a:defRPr>
+            </a:lvl5pPr>
+            <a:lvl6pPr marL="2514600" indent="-228600" eaLnBrk="0" fontAlgn="base" hangingPunct="0">
+              <a:spcBef>
+                <a:spcPct val="0"/>
+              </a:spcBef>
+              <a:spcAft>
+                <a:spcPct val="0"/>
+              </a:spcAft>
+              <a:defRPr>
+                <a:solidFill>
+                  <a:schemeClr val="tx1"/>
+                </a:solidFill>
+                <a:latin typeface="Calibri" panose="020F0502020204030204" pitchFamily="34" charset="0"/>
+                <a:ea typeface="宋体" panose="02010600030101010101" pitchFamily="2" charset="-122"/>
+              </a:defRPr>
+            </a:lvl6pPr>
+            <a:lvl7pPr marL="2971800" indent="-228600" eaLnBrk="0" fontAlgn="base" hangingPunct="0">
+              <a:spcBef>
+                <a:spcPct val="0"/>
+              </a:spcBef>
+              <a:spcAft>
+                <a:spcPct val="0"/>
+              </a:spcAft>
+              <a:defRPr>
+                <a:solidFill>
+                  <a:schemeClr val="tx1"/>
+                </a:solidFill>
+                <a:latin typeface="Calibri" panose="020F0502020204030204" pitchFamily="34" charset="0"/>
+                <a:ea typeface="宋体" panose="02010600030101010101" pitchFamily="2" charset="-122"/>
+              </a:defRPr>
+            </a:lvl7pPr>
+            <a:lvl8pPr marL="3429000" indent="-228600" eaLnBrk="0" fontAlgn="base" hangingPunct="0">
+              <a:spcBef>
+                <a:spcPct val="0"/>
+              </a:spcBef>
+              <a:spcAft>
+                <a:spcPct val="0"/>
+              </a:spcAft>
+              <a:defRPr>
+                <a:solidFill>
+                  <a:schemeClr val="tx1"/>
+                </a:solidFill>
+                <a:latin typeface="Calibri" panose="020F0502020204030204" pitchFamily="34" charset="0"/>
+                <a:ea typeface="宋体" panose="02010600030101010101" pitchFamily="2" charset="-122"/>
+              </a:defRPr>
+            </a:lvl8pPr>
+            <a:lvl9pPr marL="3886200" indent="-228600" eaLnBrk="0" fontAlgn="base" hangingPunct="0">
+              <a:spcBef>
+                <a:spcPct val="0"/>
+              </a:spcBef>
+              <a:spcAft>
+                <a:spcPct val="0"/>
+              </a:spcAft>
+              <a:defRPr>
+                <a:solidFill>
+                  <a:schemeClr val="tx1"/>
+                </a:solidFill>
+                <a:latin typeface="Calibri" panose="020F0502020204030204" pitchFamily="34" charset="0"/>
+                <a:ea typeface="宋体" panose="02010600030101010101" pitchFamily="2" charset="-122"/>
+              </a:defRPr>
+            </a:lvl9pPr>
+          </a:lstStyle>
+          <a:p>
+            <a:pPr marL="0" marR="0" lvl="0" indent="0" algn="l" defTabSz="914400" rtl="0" eaLnBrk="1" fontAlgn="base" latinLnBrk="0" hangingPunct="1">
+              <a:lnSpc>
+                <a:spcPct val="100000"/>
+              </a:lnSpc>
+              <a:spcBef>
+                <a:spcPct val="0"/>
+              </a:spcBef>
+              <a:spcAft>
+                <a:spcPct val="0"/>
+              </a:spcAft>
+              <a:buClrTx/>
+              <a:buSzTx/>
+              <a:buFontTx/>
+              <a:buNone/>
+              <a:tabLst/>
+              <a:defRPr/>
+            </a:pPr>
+            <a:r>
+              <a:rPr kumimoji="0" lang="zh-CN" altLang="en-US" sz="2800" b="1" i="0" u="none" strike="noStrike" kern="1200" cap="none" spc="0" normalizeH="0" baseline="0" noProof="0" dirty="0">
+                <a:ln>
+                  <a:noFill/>
+                </a:ln>
+                <a:solidFill>
+                  <a:srgbClr val="FFFFFF"/>
+                </a:solidFill>
+                <a:effectLst/>
+                <a:uLnTx/>
+                <a:uFillTx/>
+                <a:latin typeface="微软雅黑" panose="020B0503020204020204" pitchFamily="34" charset="-122"/>
+                <a:ea typeface="微软雅黑" panose="020B0503020204020204" pitchFamily="34" charset="-122"/>
+                <a:cs typeface="+mn-cs"/>
+              </a:rPr>
+              <a:t>拓展：加权最小二乘法，信号去噪</a:t>
+            </a:r>
+          </a:p>
+        </p:txBody>
+      </p:sp>
+      <p:pic>
+        <p:nvPicPr>
+          <p:cNvPr id="6" name="图片 5">
+            <a:extLst>
+              <a:ext uri="{FF2B5EF4-FFF2-40B4-BE49-F238E27FC236}">
+                <a16:creationId xmlns:a16="http://schemas.microsoft.com/office/drawing/2014/main" id="{A296B273-6CE8-967C-673B-649667148FED}"/>
+              </a:ext>
+            </a:extLst>
+          </p:cNvPr>
+          <p:cNvPicPr>
+            <a:picLocks noChangeAspect="1"/>
+          </p:cNvPicPr>
+          <p:nvPr/>
+        </p:nvPicPr>
+        <p:blipFill>
+          <a:blip r:embed="rId2">
+            <a:clrChange>
+              <a:clrFrom>
+                <a:srgbClr val="FFFFFF"/>
+              </a:clrFrom>
+              <a:clrTo>
+                <a:srgbClr val="FFFFFF">
+                  <a:alpha val="0"/>
+                </a:srgbClr>
+              </a:clrTo>
+            </a:clrChange>
+          </a:blip>
+          <a:stretch>
+            <a:fillRect/>
+          </a:stretch>
+        </p:blipFill>
+        <p:spPr>
+          <a:xfrm>
+            <a:off x="1924934" y="1079019"/>
+            <a:ext cx="8335002" cy="3170252"/>
+          </a:xfrm>
+          <a:prstGeom prst="rect">
+            <a:avLst/>
+          </a:prstGeom>
+        </p:spPr>
+      </p:pic>
+      <p:graphicFrame>
+        <p:nvGraphicFramePr>
+          <p:cNvPr id="8" name="对象 7">
+            <a:extLst>
+              <a:ext uri="{FF2B5EF4-FFF2-40B4-BE49-F238E27FC236}">
+                <a16:creationId xmlns:a16="http://schemas.microsoft.com/office/drawing/2014/main" id="{EC2A4E8F-1C70-E168-8E89-8191E375BB41}"/>
+              </a:ext>
+            </a:extLst>
+          </p:cNvPr>
+          <p:cNvGraphicFramePr>
+            <a:graphicFrameLocks noChangeAspect="1"/>
+          </p:cNvGraphicFramePr>
+          <p:nvPr>
+            <p:extLst>
+              <p:ext uri="{D42A27DB-BD31-4B8C-83A1-F6EECF244321}">
+                <p14:modId xmlns:p14="http://schemas.microsoft.com/office/powerpoint/2010/main" val="1701322172"/>
+              </p:ext>
+            </p:extLst>
+          </p:nvPr>
+        </p:nvGraphicFramePr>
+        <p:xfrm>
+          <a:off x="4022849" y="4355338"/>
+          <a:ext cx="2560977" cy="640244"/>
+        </p:xfrm>
+        <a:graphic>
+          <a:graphicData uri="http://schemas.openxmlformats.org/presentationml/2006/ole">
+            <mc:AlternateContent xmlns:mc="http://schemas.openxmlformats.org/markup-compatibility/2006">
+              <mc:Choice xmlns:v="urn:schemas-microsoft-com:vml" Requires="v">
+                <p:oleObj name="Equation" r:id="rId3" imgW="1574640" imgH="393480" progId="Equation.DSMT4">
+                  <p:embed/>
+                </p:oleObj>
+              </mc:Choice>
+              <mc:Fallback>
+                <p:oleObj name="Equation" r:id="rId3" imgW="1574640" imgH="393480" progId="Equation.DSMT4">
+                  <p:embed/>
+                  <p:pic>
+                    <p:nvPicPr>
+                      <p:cNvPr id="0" name=""/>
+                      <p:cNvPicPr/>
+                      <p:nvPr/>
+                    </p:nvPicPr>
+                    <p:blipFill>
+                      <a:blip r:embed="rId4"/>
+                      <a:stretch>
+                        <a:fillRect/>
+                      </a:stretch>
+                    </p:blipFill>
+                    <p:spPr>
+                      <a:xfrm>
+                        <a:off x="4022849" y="4355338"/>
+                        <a:ext cx="2560977" cy="640244"/>
+                      </a:xfrm>
+                      <a:prstGeom prst="rect">
+                        <a:avLst/>
+                      </a:prstGeom>
+                    </p:spPr>
+                  </p:pic>
+                </p:oleObj>
+              </mc:Fallback>
+            </mc:AlternateContent>
+          </a:graphicData>
+        </a:graphic>
+      </p:graphicFrame>
+      <p:sp>
+        <p:nvSpPr>
+          <p:cNvPr id="10" name="文本框 9">
+            <a:extLst>
+              <a:ext uri="{FF2B5EF4-FFF2-40B4-BE49-F238E27FC236}">
+                <a16:creationId xmlns:a16="http://schemas.microsoft.com/office/drawing/2014/main" id="{8BD6236C-89BF-A8AA-DC65-B30AD4FCC0F1}"/>
+              </a:ext>
+            </a:extLst>
+          </p:cNvPr>
+          <p:cNvSpPr txBox="1"/>
+          <p:nvPr/>
+        </p:nvSpPr>
+        <p:spPr>
+          <a:xfrm>
+            <a:off x="882464" y="5143623"/>
+            <a:ext cx="6094878" cy="369332"/>
+          </a:xfrm>
+          <a:prstGeom prst="rect">
+            <a:avLst/>
+          </a:prstGeom>
+          <a:noFill/>
+        </p:spPr>
+        <p:txBody>
+          <a:bodyPr wrap="square">
+            <a:spAutoFit/>
+          </a:bodyPr>
+          <a:lstStyle/>
+          <a:p>
+            <a:pPr marL="285750" indent="-285750">
+              <a:buFont typeface="Arial" panose="020B0604020202020204" pitchFamily="34" charset="0"/>
+              <a:buChar char="•"/>
+            </a:pPr>
+            <a:r>
+              <a:rPr lang="zh-CN" altLang="en-US" dirty="0"/>
+              <a:t>其中</a:t>
+            </a:r>
+            <a:r>
+              <a:rPr lang="en-US" altLang="zh-CN" dirty="0"/>
+              <a:t>D</a:t>
+            </a:r>
+            <a:r>
+              <a:rPr lang="zh-CN" altLang="en-US" dirty="0"/>
+              <a:t>是离散的二阶导算子或</a:t>
+            </a:r>
+            <a:r>
+              <a:rPr lang="en-US" altLang="zh-CN" dirty="0"/>
+              <a:t>TV</a:t>
+            </a:r>
+            <a:r>
+              <a:rPr lang="zh-CN" altLang="en-US" dirty="0"/>
+              <a:t>算子</a:t>
+            </a:r>
+          </a:p>
+        </p:txBody>
+      </p:sp>
+    </p:spTree>
+    <p:extLst>
+      <p:ext uri="{BB962C8B-B14F-4D97-AF65-F5344CB8AC3E}">
+        <p14:creationId xmlns:p14="http://schemas.microsoft.com/office/powerpoint/2010/main" val="3279083478"/>
+      </p:ext>
+    </p:extLst>
+  </p:cSld>
+  <p:clrMapOvr>
+    <a:masterClrMapping/>
+  </p:clrMapOvr>
+</p:sld>
+</file>
+
+<file path=ppt/slides/slide11.xml><?xml version="1.0" encoding="utf-8"?>
+<p:sld xmlns:a="http://schemas.openxmlformats.org/drawingml/2006/main" xmlns:r="http://schemas.openxmlformats.org/officeDocument/2006/relationships" xmlns:p="http://schemas.openxmlformats.org/presentationml/2006/main">
+  <p:cSld>
+    <p:spTree>
+      <p:nvGrpSpPr>
+        <p:cNvPr id="1" name=""/>
+        <p:cNvGrpSpPr/>
+        <p:nvPr/>
+      </p:nvGrpSpPr>
+      <p:grpSpPr>
+        <a:xfrm>
+          <a:off x="0" y="0"/>
+          <a:ext cx="0" cy="0"/>
+          <a:chOff x="0" y="0"/>
+          <a:chExt cx="0" cy="0"/>
+        </a:xfrm>
+      </p:grpSpPr>
+      <p:sp>
+        <p:nvSpPr>
+          <p:cNvPr id="2" name="灯片编号占位符 1">
+            <a:extLst>
+              <a:ext uri="{FF2B5EF4-FFF2-40B4-BE49-F238E27FC236}">
+                <a16:creationId xmlns:a16="http://schemas.microsoft.com/office/drawing/2014/main" id="{8F657C77-D2F8-58D6-4551-4611B3607013}"/>
+              </a:ext>
+            </a:extLst>
+          </p:cNvPr>
+          <p:cNvSpPr>
+            <a:spLocks noGrp="1"/>
+          </p:cNvSpPr>
+          <p:nvPr>
+            <p:ph type="sldNum" sz="quarter" idx="10"/>
+          </p:nvPr>
+        </p:nvSpPr>
+        <p:spPr/>
+        <p:txBody>
+          <a:bodyPr/>
+          <a:lstStyle/>
+          <a:p>
+            <a:pPr marL="0" marR="0" lvl="0" indent="0" algn="r" defTabSz="914400" rtl="0" eaLnBrk="0" fontAlgn="base" latinLnBrk="0" hangingPunct="0">
+              <a:lnSpc>
+                <a:spcPct val="100000"/>
+              </a:lnSpc>
+              <a:spcBef>
+                <a:spcPct val="0"/>
+              </a:spcBef>
+              <a:spcAft>
+                <a:spcPct val="0"/>
+              </a:spcAft>
+              <a:buClrTx/>
+              <a:buSzTx/>
+              <a:buFontTx/>
+              <a:buNone/>
+              <a:tabLst/>
+              <a:defRPr/>
+            </a:pPr>
+            <a:fld id="{6D4C5065-FF2D-4AF9-9993-DC80EA82CC7E}" type="slidenum">
+              <a:rPr kumimoji="0" lang="zh-CN" altLang="en-US" sz="1200" b="0" i="0" u="none" strike="noStrike" kern="1200" cap="none" spc="0" normalizeH="0" baseline="0" noProof="0" smtClean="0">
+                <a:ln>
+                  <a:noFill/>
+                </a:ln>
+                <a:solidFill>
+                  <a:srgbClr val="2F4D73"/>
+                </a:solidFill>
+                <a:effectLst/>
+                <a:uLnTx/>
+                <a:uFillTx/>
+                <a:latin typeface="Calibri" panose="020F0502020204030204" pitchFamily="34" charset="0"/>
+                <a:ea typeface="宋体" panose="02010600030101010101" pitchFamily="2" charset="-122"/>
+                <a:cs typeface="+mn-cs"/>
+              </a:rPr>
+              <a:pPr marL="0" marR="0" lvl="0" indent="0" algn="r" defTabSz="914400" rtl="0" eaLnBrk="0" fontAlgn="base" latinLnBrk="0" hangingPunct="0">
+                <a:lnSpc>
+                  <a:spcPct val="100000"/>
+                </a:lnSpc>
+                <a:spcBef>
+                  <a:spcPct val="0"/>
+                </a:spcBef>
+                <a:spcAft>
+                  <a:spcPct val="0"/>
+                </a:spcAft>
+                <a:buClrTx/>
+                <a:buSzTx/>
+                <a:buFontTx/>
+                <a:buNone/>
+                <a:tabLst/>
+                <a:defRPr/>
+              </a:pPr>
+              <a:t>11</a:t>
+            </a:fld>
+            <a:endParaRPr kumimoji="0" lang="zh-CN" altLang="en-US" sz="1200" b="0" i="0" u="none" strike="noStrike" kern="1200" cap="none" spc="0" normalizeH="0" baseline="0" noProof="0">
+              <a:ln>
+                <a:noFill/>
+              </a:ln>
+              <a:solidFill>
+                <a:srgbClr val="2F4D73"/>
+              </a:solidFill>
+              <a:effectLst/>
+              <a:uLnTx/>
+              <a:uFillTx/>
+              <a:latin typeface="Calibri" panose="020F0502020204030204" pitchFamily="34" charset="0"/>
+              <a:ea typeface="宋体" panose="02010600030101010101" pitchFamily="2" charset="-122"/>
+              <a:cs typeface="+mn-cs"/>
+            </a:endParaRPr>
+          </a:p>
+        </p:txBody>
+      </p:sp>
+      <p:sp>
+        <p:nvSpPr>
+          <p:cNvPr id="7" name="Rectangle 4">
+            <a:extLst>
+              <a:ext uri="{FF2B5EF4-FFF2-40B4-BE49-F238E27FC236}">
+                <a16:creationId xmlns:a16="http://schemas.microsoft.com/office/drawing/2014/main" id="{2328B997-D9AD-5AE8-ED6C-D970AA84644B}"/>
+              </a:ext>
+            </a:extLst>
+          </p:cNvPr>
+          <p:cNvSpPr>
+            <a:spLocks noChangeArrowheads="1"/>
+          </p:cNvSpPr>
+          <p:nvPr/>
+        </p:nvSpPr>
+        <p:spPr bwMode="auto">
+          <a:xfrm>
+            <a:off x="0" y="0"/>
+            <a:ext cx="12192000" cy="0"/>
+          </a:xfrm>
+          <a:prstGeom prst="rect">
+            <a:avLst/>
+          </a:prstGeom>
+          <a:noFill/>
+          <a:ln>
+            <a:noFill/>
+          </a:ln>
+          <a:effectLst/>
+          <a:extLst>
+            <a:ext uri="{909E8E84-426E-40DD-AFC4-6F175D3DCCD1}">
+              <a14:hiddenFill xmlns:a14="http://schemas.microsoft.com/office/drawing/2010/main">
+                <a:solidFill>
+                  <a:schemeClr val="accent1"/>
+                </a:solidFill>
+              </a14:hiddenFill>
+            </a:ext>
+            <a:ext uri="{91240B29-F687-4F45-9708-019B960494DF}">
+              <a14:hiddenLine xmlns:a14="http://schemas.microsoft.com/office/drawing/2010/main" w="9525">
+                <a:solidFill>
+                  <a:schemeClr val="tx1"/>
+                </a:solidFill>
+                <a:miter lim="800000"/>
+                <a:headEnd/>
+                <a:tailEnd/>
+              </a14:hiddenLine>
+            </a:ext>
+            <a:ext uri="{AF507438-7753-43E0-B8FC-AC1667EBCBE1}">
+              <a14:hiddenEffects xmlns:a14="http://schemas.microsoft.com/office/drawing/2010/main">
+                <a:effectLst>
+                  <a:outerShdw dist="35921" dir="2700000" algn="ctr" rotWithShape="0">
+                    <a:schemeClr val="bg2"/>
+                  </a:outerShdw>
+                </a:effectLst>
+              </a14:hiddenEffects>
+            </a:ext>
+          </a:extLst>
+        </p:spPr>
+        <p:txBody>
+          <a:bodyPr vert="horz" wrap="none" lIns="91440" tIns="45720" rIns="91440" bIns="45720" numCol="1" anchor="ctr" anchorCtr="0" compatLnSpc="1">
+            <a:prstTxWarp prst="textNoShape">
+              <a:avLst/>
+            </a:prstTxWarp>
+            <a:spAutoFit/>
+          </a:bodyPr>
+          <a:lstStyle/>
+          <a:p>
+            <a:pPr marL="0" marR="0" lvl="0" indent="0" algn="l" defTabSz="914400" rtl="0" eaLnBrk="0" fontAlgn="base" latinLnBrk="0" hangingPunct="0">
+              <a:lnSpc>
+                <a:spcPct val="100000"/>
+              </a:lnSpc>
+              <a:spcBef>
+                <a:spcPct val="0"/>
+              </a:spcBef>
+              <a:spcAft>
+                <a:spcPct val="0"/>
+              </a:spcAft>
+              <a:buClrTx/>
+              <a:buSzTx/>
+              <a:buFontTx/>
+              <a:buNone/>
+              <a:tabLst/>
+              <a:defRPr/>
+            </a:pPr>
+            <a:endParaRPr kumimoji="0" lang="zh-CN" altLang="en-US" sz="1800" b="0" i="0" u="none" strike="noStrike" kern="1200" cap="none" spc="0" normalizeH="0" baseline="0" noProof="0">
+              <a:ln>
+                <a:noFill/>
+              </a:ln>
+              <a:solidFill>
+                <a:srgbClr val="000000"/>
+              </a:solidFill>
+              <a:effectLst/>
+              <a:uLnTx/>
+              <a:uFillTx/>
+              <a:latin typeface="Calibri" panose="020F0502020204030204" pitchFamily="34" charset="0"/>
+              <a:ea typeface="宋体" panose="02010600030101010101" pitchFamily="2" charset="-122"/>
+              <a:cs typeface="+mn-cs"/>
+            </a:endParaRPr>
+          </a:p>
+        </p:txBody>
+      </p:sp>
+      <p:sp>
+        <p:nvSpPr>
+          <p:cNvPr id="11" name="文本框 2">
+            <a:extLst>
+              <a:ext uri="{FF2B5EF4-FFF2-40B4-BE49-F238E27FC236}">
+                <a16:creationId xmlns:a16="http://schemas.microsoft.com/office/drawing/2014/main" id="{E021EA55-0D4C-9C0F-DDCB-D99414B2F02F}"/>
+              </a:ext>
+            </a:extLst>
+          </p:cNvPr>
+          <p:cNvSpPr txBox="1">
+            <a:spLocks noChangeArrowheads="1"/>
+          </p:cNvSpPr>
+          <p:nvPr/>
+        </p:nvSpPr>
+        <p:spPr bwMode="auto">
+          <a:xfrm>
+            <a:off x="995221" y="118411"/>
+            <a:ext cx="2698175" cy="523220"/>
+          </a:xfrm>
+          <a:prstGeom prst="rect">
+            <a:avLst/>
+          </a:prstGeom>
+          <a:noFill/>
+          <a:ln>
+            <a:noFill/>
+          </a:ln>
+          <a:extLst>
+            <a:ext uri="{909E8E84-426E-40DD-AFC4-6F175D3DCCD1}">
+              <a14:hiddenFill xmlns:a14="http://schemas.microsoft.com/office/drawing/2010/main">
+                <a:solidFill>
+                  <a:srgbClr val="FFFFFF"/>
+                </a:solidFill>
+              </a14:hiddenFill>
+            </a:ext>
+            <a:ext uri="{91240B29-F687-4F45-9708-019B960494DF}">
+              <a14:hiddenLine xmlns:a14="http://schemas.microsoft.com/office/drawing/2010/main" w="9525">
+                <a:solidFill>
+                  <a:srgbClr val="000000"/>
+                </a:solidFill>
+                <a:miter lim="800000"/>
+                <a:headEnd/>
+                <a:tailEnd/>
+              </a14:hiddenLine>
+            </a:ext>
+          </a:extLst>
+        </p:spPr>
+        <p:txBody>
+          <a:bodyPr wrap="none">
+            <a:spAutoFit/>
+          </a:bodyPr>
+          <a:lstStyle>
+            <a:lvl1pPr>
+              <a:defRPr>
+                <a:solidFill>
+                  <a:schemeClr val="tx1"/>
+                </a:solidFill>
+                <a:latin typeface="Calibri" panose="020F0502020204030204" pitchFamily="34" charset="0"/>
+                <a:ea typeface="宋体" panose="02010600030101010101" pitchFamily="2" charset="-122"/>
+              </a:defRPr>
+            </a:lvl1pPr>
+            <a:lvl2pPr marL="742950" indent="-285750">
+              <a:defRPr>
+                <a:solidFill>
+                  <a:schemeClr val="tx1"/>
+                </a:solidFill>
+                <a:latin typeface="Calibri" panose="020F0502020204030204" pitchFamily="34" charset="0"/>
+                <a:ea typeface="宋体" panose="02010600030101010101" pitchFamily="2" charset="-122"/>
+              </a:defRPr>
+            </a:lvl2pPr>
+            <a:lvl3pPr marL="1143000" indent="-228600">
+              <a:defRPr>
+                <a:solidFill>
+                  <a:schemeClr val="tx1"/>
+                </a:solidFill>
+                <a:latin typeface="Calibri" panose="020F0502020204030204" pitchFamily="34" charset="0"/>
+                <a:ea typeface="宋体" panose="02010600030101010101" pitchFamily="2" charset="-122"/>
+              </a:defRPr>
+            </a:lvl3pPr>
+            <a:lvl4pPr marL="1600200" indent="-228600">
+              <a:defRPr>
+                <a:solidFill>
+                  <a:schemeClr val="tx1"/>
+                </a:solidFill>
+                <a:latin typeface="Calibri" panose="020F0502020204030204" pitchFamily="34" charset="0"/>
+                <a:ea typeface="宋体" panose="02010600030101010101" pitchFamily="2" charset="-122"/>
+              </a:defRPr>
+            </a:lvl4pPr>
+            <a:lvl5pPr marL="2057400" indent="-228600">
+              <a:defRPr>
+                <a:solidFill>
+                  <a:schemeClr val="tx1"/>
+                </a:solidFill>
+                <a:latin typeface="Calibri" panose="020F0502020204030204" pitchFamily="34" charset="0"/>
+                <a:ea typeface="宋体" panose="02010600030101010101" pitchFamily="2" charset="-122"/>
+              </a:defRPr>
+            </a:lvl5pPr>
+            <a:lvl6pPr marL="2514600" indent="-228600" eaLnBrk="0" fontAlgn="base" hangingPunct="0">
+              <a:spcBef>
+                <a:spcPct val="0"/>
+              </a:spcBef>
+              <a:spcAft>
+                <a:spcPct val="0"/>
+              </a:spcAft>
+              <a:defRPr>
+                <a:solidFill>
+                  <a:schemeClr val="tx1"/>
+                </a:solidFill>
+                <a:latin typeface="Calibri" panose="020F0502020204030204" pitchFamily="34" charset="0"/>
+                <a:ea typeface="宋体" panose="02010600030101010101" pitchFamily="2" charset="-122"/>
+              </a:defRPr>
+            </a:lvl6pPr>
+            <a:lvl7pPr marL="2971800" indent="-228600" eaLnBrk="0" fontAlgn="base" hangingPunct="0">
+              <a:spcBef>
+                <a:spcPct val="0"/>
+              </a:spcBef>
+              <a:spcAft>
+                <a:spcPct val="0"/>
+              </a:spcAft>
+              <a:defRPr>
+                <a:solidFill>
+                  <a:schemeClr val="tx1"/>
+                </a:solidFill>
+                <a:latin typeface="Calibri" panose="020F0502020204030204" pitchFamily="34" charset="0"/>
+                <a:ea typeface="宋体" panose="02010600030101010101" pitchFamily="2" charset="-122"/>
+              </a:defRPr>
+            </a:lvl7pPr>
+            <a:lvl8pPr marL="3429000" indent="-228600" eaLnBrk="0" fontAlgn="base" hangingPunct="0">
+              <a:spcBef>
+                <a:spcPct val="0"/>
+              </a:spcBef>
+              <a:spcAft>
+                <a:spcPct val="0"/>
+              </a:spcAft>
+              <a:defRPr>
+                <a:solidFill>
+                  <a:schemeClr val="tx1"/>
+                </a:solidFill>
+                <a:latin typeface="Calibri" panose="020F0502020204030204" pitchFamily="34" charset="0"/>
+                <a:ea typeface="宋体" panose="02010600030101010101" pitchFamily="2" charset="-122"/>
+              </a:defRPr>
+            </a:lvl8pPr>
+            <a:lvl9pPr marL="3886200" indent="-228600" eaLnBrk="0" fontAlgn="base" hangingPunct="0">
+              <a:spcBef>
+                <a:spcPct val="0"/>
+              </a:spcBef>
+              <a:spcAft>
+                <a:spcPct val="0"/>
+              </a:spcAft>
+              <a:defRPr>
+                <a:solidFill>
+                  <a:schemeClr val="tx1"/>
+                </a:solidFill>
+                <a:latin typeface="Calibri" panose="020F0502020204030204" pitchFamily="34" charset="0"/>
+                <a:ea typeface="宋体" panose="02010600030101010101" pitchFamily="2" charset="-122"/>
+              </a:defRPr>
+            </a:lvl9pPr>
+          </a:lstStyle>
+          <a:p>
+            <a:pPr marL="0" marR="0" lvl="0" indent="0" algn="l" defTabSz="914400" rtl="0" eaLnBrk="1" fontAlgn="base" latinLnBrk="0" hangingPunct="1">
+              <a:lnSpc>
+                <a:spcPct val="100000"/>
+              </a:lnSpc>
+              <a:spcBef>
+                <a:spcPct val="0"/>
+              </a:spcBef>
+              <a:spcAft>
+                <a:spcPct val="0"/>
+              </a:spcAft>
+              <a:buClrTx/>
+              <a:buSzTx/>
+              <a:buFontTx/>
+              <a:buNone/>
+              <a:tabLst/>
+              <a:defRPr/>
+            </a:pPr>
+            <a:r>
+              <a:rPr lang="zh-CN" altLang="en-US" sz="2800" b="1" dirty="0">
+                <a:solidFill>
+                  <a:srgbClr val="FFFFFF"/>
+                </a:solidFill>
+                <a:latin typeface="微软雅黑" panose="020B0503020204020204" pitchFamily="34" charset="-122"/>
+                <a:ea typeface="微软雅黑" panose="020B0503020204020204" pitchFamily="34" charset="-122"/>
+              </a:rPr>
+              <a:t>小结以及计划</a:t>
+            </a:r>
+            <a:r>
+              <a:rPr kumimoji="0" lang="zh-CN" altLang="en-US" sz="2800" b="1" i="0" u="none" strike="noStrike" kern="1200" cap="none" spc="0" normalizeH="0" baseline="0" noProof="0" dirty="0">
+                <a:ln>
+                  <a:noFill/>
+                </a:ln>
+                <a:solidFill>
+                  <a:srgbClr val="FFFFFF"/>
+                </a:solidFill>
+                <a:effectLst/>
+                <a:uLnTx/>
+                <a:uFillTx/>
+                <a:latin typeface="微软雅黑" panose="020B0503020204020204" pitchFamily="34" charset="-122"/>
+                <a:ea typeface="微软雅黑" panose="020B0503020204020204" pitchFamily="34" charset="-122"/>
+                <a:cs typeface="+mn-cs"/>
+              </a:rPr>
+              <a:t>：</a:t>
+            </a:r>
+          </a:p>
+        </p:txBody>
+      </p:sp>
+      <p:sp>
+        <p:nvSpPr>
+          <p:cNvPr id="3" name="文本框 2">
+            <a:extLst>
+              <a:ext uri="{FF2B5EF4-FFF2-40B4-BE49-F238E27FC236}">
+                <a16:creationId xmlns:a16="http://schemas.microsoft.com/office/drawing/2014/main" id="{46C51968-92DE-287F-8495-D1A12FA965CC}"/>
+              </a:ext>
+            </a:extLst>
+          </p:cNvPr>
+          <p:cNvSpPr txBox="1"/>
+          <p:nvPr/>
+        </p:nvSpPr>
+        <p:spPr>
+          <a:xfrm>
+            <a:off x="995221" y="1472184"/>
+            <a:ext cx="5735224" cy="875881"/>
+          </a:xfrm>
+          <a:prstGeom prst="rect">
+            <a:avLst/>
+          </a:prstGeom>
+          <a:noFill/>
+        </p:spPr>
+        <p:txBody>
+          <a:bodyPr wrap="none" rtlCol="0">
+            <a:spAutoFit/>
+          </a:bodyPr>
+          <a:lstStyle/>
+          <a:p>
+            <a:pPr marL="285750" indent="-285750">
+              <a:lnSpc>
+                <a:spcPct val="150000"/>
+              </a:lnSpc>
+              <a:buFont typeface="Arial" panose="020B0604020202020204" pitchFamily="34" charset="0"/>
+              <a:buChar char="•"/>
+            </a:pPr>
+            <a:r>
+              <a:rPr lang="zh-CN" altLang="en-US" dirty="0"/>
+              <a:t>面形补偿算法的</a:t>
+            </a:r>
+            <a:r>
+              <a:rPr lang="en-US" altLang="zh-CN" dirty="0"/>
+              <a:t>C++</a:t>
+            </a:r>
+            <a:r>
+              <a:rPr lang="zh-CN" altLang="en-US" dirty="0"/>
+              <a:t>实现已经完成</a:t>
+            </a:r>
+            <a:endParaRPr lang="en-US" altLang="zh-CN" dirty="0"/>
+          </a:p>
+          <a:p>
+            <a:pPr marL="285750" indent="-285750">
+              <a:lnSpc>
+                <a:spcPct val="150000"/>
+              </a:lnSpc>
+              <a:buFont typeface="Arial" panose="020B0604020202020204" pitchFamily="34" charset="0"/>
+              <a:buChar char="•"/>
+            </a:pPr>
+            <a:r>
+              <a:rPr lang="zh-CN" altLang="en-US" dirty="0"/>
+              <a:t>利用</a:t>
+            </a:r>
+            <a:r>
+              <a:rPr lang="en-US" altLang="zh-CN" dirty="0"/>
+              <a:t>HLS</a:t>
+            </a:r>
+            <a:r>
+              <a:rPr lang="zh-CN" altLang="en-US" dirty="0"/>
+              <a:t>将其转化为硬件描述语言</a:t>
+            </a:r>
+            <a:r>
+              <a:rPr lang="en-US" altLang="zh-CN" dirty="0"/>
+              <a:t>——</a:t>
+            </a:r>
+            <a:r>
+              <a:rPr lang="en-US" altLang="zh-CN" dirty="0" err="1"/>
+              <a:t>verilog</a:t>
+            </a:r>
+            <a:r>
+              <a:rPr lang="zh-CN" altLang="en-US" dirty="0"/>
+              <a:t>或者</a:t>
+            </a:r>
+            <a:r>
+              <a:rPr lang="en-US" altLang="zh-CN" dirty="0" err="1"/>
+              <a:t>vhdl</a:t>
+            </a:r>
+            <a:endParaRPr lang="zh-CN" altLang="en-US" dirty="0"/>
+          </a:p>
+        </p:txBody>
+      </p:sp>
+    </p:spTree>
+    <p:extLst>
+      <p:ext uri="{BB962C8B-B14F-4D97-AF65-F5344CB8AC3E}">
+        <p14:creationId xmlns:p14="http://schemas.microsoft.com/office/powerpoint/2010/main" val="2853810948"/>
+      </p:ext>
+    </p:extLst>
+  </p:cSld>
+  <p:clrMapOvr>
+    <a:masterClrMapping/>
+  </p:clrMapOvr>
+</p:sld>
+</file>
+
 <file path=ppt/slides/slide2.xml><?xml version="1.0" encoding="utf-8"?>
 <p:sld xmlns:a="http://schemas.openxmlformats.org/drawingml/2006/main" xmlns:r="http://schemas.openxmlformats.org/officeDocument/2006/relationships" xmlns:p="http://schemas.openxmlformats.org/presentationml/2006/main">
   <p:cSld>
@@ -9948,7 +11038,7 @@
         </p:nvSpPr>
         <p:spPr>
           <a:xfrm>
-            <a:off x="349988" y="5945432"/>
+            <a:off x="1593841" y="5947264"/>
             <a:ext cx="3769893" cy="369332"/>
           </a:xfrm>
           <a:prstGeom prst="rect">
@@ -9984,7 +11074,7 @@
         </p:nvSpPr>
         <p:spPr>
           <a:xfrm>
-            <a:off x="4119883" y="5945432"/>
+            <a:off x="4328312" y="5945432"/>
             <a:ext cx="3959999" cy="369332"/>
           </a:xfrm>
           <a:prstGeom prst="rect">
@@ -10006,96 +11096,6 @@
           </a:p>
         </p:txBody>
       </p:sp>
-      <p:pic>
-        <p:nvPicPr>
-          <p:cNvPr id="9" name="图片 8">
-            <a:extLst>
-              <a:ext uri="{FF2B5EF4-FFF2-40B4-BE49-F238E27FC236}">
-                <a16:creationId xmlns:a16="http://schemas.microsoft.com/office/drawing/2014/main" id="{606FB45D-2049-2730-9007-78334B3FA94C}"/>
-              </a:ext>
-            </a:extLst>
-          </p:cNvPr>
-          <p:cNvPicPr>
-            <a:picLocks noChangeAspect="1"/>
-          </p:cNvPicPr>
-          <p:nvPr/>
-        </p:nvPicPr>
-        <p:blipFill>
-          <a:blip r:embed="rId2"/>
-          <a:stretch>
-            <a:fillRect/>
-          </a:stretch>
-        </p:blipFill>
-        <p:spPr>
-          <a:xfrm>
-            <a:off x="8079883" y="3065433"/>
-            <a:ext cx="3960000" cy="2772751"/>
-          </a:xfrm>
-          <a:prstGeom prst="rect">
-            <a:avLst/>
-          </a:prstGeom>
-        </p:spPr>
-      </p:pic>
-      <p:pic>
-        <p:nvPicPr>
-          <p:cNvPr id="11" name="图片 10">
-            <a:extLst>
-              <a:ext uri="{FF2B5EF4-FFF2-40B4-BE49-F238E27FC236}">
-                <a16:creationId xmlns:a16="http://schemas.microsoft.com/office/drawing/2014/main" id="{B3918072-C2C0-62DC-7E30-14FFE6511774}"/>
-              </a:ext>
-            </a:extLst>
-          </p:cNvPr>
-          <p:cNvPicPr>
-            <a:picLocks noChangeAspect="1"/>
-          </p:cNvPicPr>
-          <p:nvPr/>
-        </p:nvPicPr>
-        <p:blipFill>
-          <a:blip r:embed="rId3"/>
-          <a:stretch>
-            <a:fillRect/>
-          </a:stretch>
-        </p:blipFill>
-        <p:spPr>
-          <a:xfrm>
-            <a:off x="159883" y="3065433"/>
-            <a:ext cx="3960000" cy="2772751"/>
-          </a:xfrm>
-          <a:prstGeom prst="rect">
-            <a:avLst/>
-          </a:prstGeom>
-        </p:spPr>
-      </p:pic>
-      <p:pic>
-        <p:nvPicPr>
-          <p:cNvPr id="15" name="图片 14">
-            <a:extLst>
-              <a:ext uri="{FF2B5EF4-FFF2-40B4-BE49-F238E27FC236}">
-                <a16:creationId xmlns:a16="http://schemas.microsoft.com/office/drawing/2014/main" id="{CEC28C15-A117-76F2-DA94-EC0F09175FFB}"/>
-              </a:ext>
-            </a:extLst>
-          </p:cNvPr>
-          <p:cNvPicPr>
-            <a:picLocks noChangeAspect="1"/>
-          </p:cNvPicPr>
-          <p:nvPr/>
-        </p:nvPicPr>
-        <p:blipFill>
-          <a:blip r:embed="rId4"/>
-          <a:stretch>
-            <a:fillRect/>
-          </a:stretch>
-        </p:blipFill>
-        <p:spPr>
-          <a:xfrm>
-            <a:off x="4119883" y="3065431"/>
-            <a:ext cx="3960000" cy="2772751"/>
-          </a:xfrm>
-          <a:prstGeom prst="rect">
-            <a:avLst/>
-          </a:prstGeom>
-        </p:spPr>
-      </p:pic>
       <p:sp>
         <p:nvSpPr>
           <p:cNvPr id="17" name="文本框 16">
@@ -10110,7 +11110,7 @@
         </p:nvSpPr>
         <p:spPr>
           <a:xfrm>
-            <a:off x="8079883" y="5945432"/>
+            <a:off x="7062782" y="5945432"/>
             <a:ext cx="3960000" cy="369332"/>
           </a:xfrm>
           <a:prstGeom prst="rect">
@@ -10147,15 +11147,15 @@
           <p:nvPr/>
         </p:nvPicPr>
         <p:blipFill>
-          <a:blip r:embed="rId5"/>
+          <a:blip r:embed="rId2"/>
           <a:stretch>
             <a:fillRect/>
           </a:stretch>
         </p:blipFill>
         <p:spPr>
           <a:xfrm>
-            <a:off x="8229825" y="117476"/>
-            <a:ext cx="3660115" cy="2557921"/>
+            <a:off x="8536430" y="561412"/>
+            <a:ext cx="3024888" cy="2113985"/>
           </a:xfrm>
           <a:prstGeom prst="rect">
             <a:avLst/>
@@ -10198,6 +11198,36 @@
           </a:p>
         </p:txBody>
       </p:sp>
+      <p:pic>
+        <p:nvPicPr>
+          <p:cNvPr id="10" name="图片 9">
+            <a:extLst>
+              <a:ext uri="{FF2B5EF4-FFF2-40B4-BE49-F238E27FC236}">
+                <a16:creationId xmlns:a16="http://schemas.microsoft.com/office/drawing/2014/main" id="{5D3352B4-2F11-E2AB-6D3D-A60000811A67}"/>
+              </a:ext>
+            </a:extLst>
+          </p:cNvPr>
+          <p:cNvPicPr>
+            <a:picLocks noChangeAspect="1"/>
+          </p:cNvPicPr>
+          <p:nvPr/>
+        </p:nvPicPr>
+        <p:blipFill>
+          <a:blip r:embed="rId3"/>
+          <a:stretch>
+            <a:fillRect/>
+          </a:stretch>
+        </p:blipFill>
+        <p:spPr>
+          <a:xfrm>
+            <a:off x="1968297" y="3171937"/>
+            <a:ext cx="8255406" cy="2706690"/>
+          </a:xfrm>
+          <a:prstGeom prst="rect">
+            <a:avLst/>
+          </a:prstGeom>
+        </p:spPr>
+      </p:pic>
     </p:spTree>
     <p:extLst>
       <p:ext uri="{BB962C8B-B14F-4D97-AF65-F5344CB8AC3E}">
@@ -18133,7 +19163,7 @@
         </p:nvSpPr>
         <p:spPr>
           <a:xfrm>
-            <a:off x="702744" y="1049194"/>
+            <a:off x="749809" y="1654312"/>
             <a:ext cx="5516520" cy="2128981"/>
           </a:xfrm>
           <a:prstGeom prst="rect">
@@ -18349,7 +19379,7 @@
         </p:blipFill>
         <p:spPr>
           <a:xfrm>
-            <a:off x="6710240" y="896199"/>
+            <a:off x="6757305" y="1501317"/>
             <a:ext cx="4047407" cy="2764605"/>
           </a:xfrm>
           <a:prstGeom prst="rect">
@@ -18371,7 +19401,7 @@
         </p:nvSpPr>
         <p:spPr bwMode="auto">
           <a:xfrm>
-            <a:off x="9244853" y="2931459"/>
+            <a:off x="9291918" y="3536577"/>
             <a:ext cx="356347" cy="578223"/>
           </a:xfrm>
           <a:prstGeom prst="rect">
@@ -18673,7 +19703,7 @@
         <p:spPr bwMode="auto">
           <a:xfrm>
             <a:off x="995221" y="118411"/>
-            <a:ext cx="5570756" cy="523220"/>
+            <a:ext cx="8721490" cy="523220"/>
           </a:xfrm>
           <a:prstGeom prst="rect">
             <a:avLst/>
@@ -18846,58 +19876,111 @@
                 <a:ea typeface="微软雅黑" panose="020B0503020204020204" pitchFamily="34" charset="-122"/>
                 <a:cs typeface="+mn-cs"/>
               </a:rPr>
-              <a:t>拓展：加权最小二乘法，信号去噪</a:t>
-            </a:r>
+              <a:t>非负最小二乘</a:t>
+            </a:r>
+            <a:r>
+              <a:rPr lang="en-US" altLang="zh-CN" sz="2800" b="1" dirty="0">
+                <a:solidFill>
+                  <a:srgbClr val="FFFFFF"/>
+                </a:solidFill>
+                <a:latin typeface="微软雅黑" panose="020B0503020204020204" pitchFamily="34" charset="-122"/>
+                <a:ea typeface="微软雅黑" panose="020B0503020204020204" pitchFamily="34" charset="-122"/>
+              </a:rPr>
+              <a:t> </a:t>
+            </a:r>
+            <a:r>
+              <a:rPr kumimoji="0" lang="en-US" altLang="zh-CN" sz="2800" b="1" i="0" u="none" strike="noStrike" kern="1200" cap="none" spc="0" normalizeH="0" baseline="0" noProof="0" dirty="0">
+                <a:ln>
+                  <a:noFill/>
+                </a:ln>
+                <a:solidFill>
+                  <a:srgbClr val="FFFFFF"/>
+                </a:solidFill>
+                <a:effectLst/>
+                <a:uLnTx/>
+                <a:uFillTx/>
+                <a:latin typeface="微软雅黑" panose="020B0503020204020204" pitchFamily="34" charset="-122"/>
+                <a:ea typeface="微软雅黑" panose="020B0503020204020204" pitchFamily="34" charset="-122"/>
+                <a:cs typeface="+mn-cs"/>
+              </a:rPr>
+              <a:t>non-negative least squares (NNLS)</a:t>
+            </a:r>
+            <a:endParaRPr kumimoji="0" lang="zh-CN" altLang="en-US" sz="2800" b="1" i="0" u="none" strike="noStrike" kern="1200" cap="none" spc="0" normalizeH="0" baseline="0" noProof="0" dirty="0">
+              <a:ln>
+                <a:noFill/>
+              </a:ln>
+              <a:solidFill>
+                <a:srgbClr val="FFFFFF"/>
+              </a:solidFill>
+              <a:effectLst/>
+              <a:uLnTx/>
+              <a:uFillTx/>
+              <a:latin typeface="微软雅黑" panose="020B0503020204020204" pitchFamily="34" charset="-122"/>
+              <a:ea typeface="微软雅黑" panose="020B0503020204020204" pitchFamily="34" charset="-122"/>
+              <a:cs typeface="+mn-cs"/>
+            </a:endParaRPr>
           </a:p>
         </p:txBody>
       </p:sp>
-      <p:pic>
-        <p:nvPicPr>
-          <p:cNvPr id="6" name="图片 5">
+      <p:sp>
+        <p:nvSpPr>
+          <p:cNvPr id="4" name="文本框 3">
             <a:extLst>
               <a:ext uri="{FF2B5EF4-FFF2-40B4-BE49-F238E27FC236}">
-                <a16:creationId xmlns:a16="http://schemas.microsoft.com/office/drawing/2014/main" id="{A296B273-6CE8-967C-673B-649667148FED}"/>
+                <a16:creationId xmlns:a16="http://schemas.microsoft.com/office/drawing/2014/main" id="{ABC52C0E-11F3-50A4-0839-41C4293C987D}"/>
               </a:ext>
             </a:extLst>
           </p:cNvPr>
-          <p:cNvPicPr>
-            <a:picLocks noChangeAspect="1"/>
-          </p:cNvPicPr>
+          <p:cNvSpPr txBox="1"/>
           <p:nvPr/>
-        </p:nvPicPr>
-        <p:blipFill>
-          <a:blip r:embed="rId2">
-            <a:clrChange>
-              <a:clrFrom>
-                <a:srgbClr val="FFFFFF"/>
-              </a:clrFrom>
-              <a:clrTo>
-                <a:srgbClr val="FFFFFF">
-                  <a:alpha val="0"/>
-                </a:srgbClr>
-              </a:clrTo>
-            </a:clrChange>
-          </a:blip>
-          <a:stretch>
-            <a:fillRect/>
-          </a:stretch>
-        </p:blipFill>
+        </p:nvSpPr>
         <p:spPr>
           <a:xfrm>
-            <a:off x="1924934" y="1079019"/>
-            <a:ext cx="8335002" cy="3170252"/>
+            <a:off x="111073" y="1150047"/>
+            <a:ext cx="6155255" cy="414922"/>
           </a:xfrm>
           <a:prstGeom prst="rect">
             <a:avLst/>
           </a:prstGeom>
+          <a:noFill/>
         </p:spPr>
-      </p:pic>
+        <p:txBody>
+          <a:bodyPr wrap="square" rtlCol="0">
+            <a:spAutoFit/>
+          </a:bodyPr>
+          <a:lstStyle/>
+          <a:p>
+            <a:pPr marL="457200" indent="-171450" algn="just">
+              <a:lnSpc>
+                <a:spcPct val="150000"/>
+              </a:lnSpc>
+              <a:buFont typeface="Arial" panose="020B0604020202020204" pitchFamily="34" charset="0"/>
+              <a:buChar char="•"/>
+              <a:tabLst>
+                <a:tab pos="2635250" algn="ctr"/>
+                <a:tab pos="6416040" algn="r"/>
+              </a:tabLst>
+              <a:defRPr/>
+            </a:pPr>
+            <a:r>
+              <a:rPr lang="zh-CN" altLang="en-US" sz="1600" kern="100" dirty="0">
+                <a:solidFill>
+                  <a:srgbClr val="000000"/>
+                </a:solidFill>
+                <a:latin typeface="Times New Roman" panose="02020603050405020304" pitchFamily="18" charset="0"/>
+                <a:cs typeface="Times New Roman" panose="02020603050405020304" pitchFamily="18" charset="0"/>
+              </a:rPr>
+              <a:t>使用改进投影梯度法结合共轭梯度法来求解非负最小二乘</a:t>
+            </a:r>
+          </a:p>
+        </p:txBody>
+      </p:sp>
       <p:graphicFrame>
         <p:nvGraphicFramePr>
-          <p:cNvPr id="8" name="对象 7">
+          <p:cNvPr id="6" name="对象 5">
             <a:extLst>
               <a:ext uri="{FF2B5EF4-FFF2-40B4-BE49-F238E27FC236}">
-                <a16:creationId xmlns:a16="http://schemas.microsoft.com/office/drawing/2014/main" id="{EC2A4E8F-1C70-E168-8E89-8191E375BB41}"/>
+                <a16:creationId xmlns:a16="http://schemas.microsoft.com/office/drawing/2014/main" id="{AE5E8D9B-4D6D-ED34-4E4F-D10EEC5F3C59}"/>
               </a:ext>
             </a:extLst>
           </p:cNvPr>
@@ -18907,25 +19990,25 @@
           <p:nvPr>
             <p:extLst>
               <p:ext uri="{D42A27DB-BD31-4B8C-83A1-F6EECF244321}">
-                <p14:modId xmlns:p14="http://schemas.microsoft.com/office/powerpoint/2010/main" val="1701322172"/>
+                <p14:modId xmlns:p14="http://schemas.microsoft.com/office/powerpoint/2010/main" val="1988170079"/>
               </p:ext>
             </p:extLst>
           </p:nvPr>
         </p:nvGraphicFramePr>
         <p:xfrm>
-          <a:off x="4022849" y="4355338"/>
-          <a:ext cx="2560977" cy="640244"/>
+          <a:off x="957043" y="3029473"/>
+          <a:ext cx="3525234" cy="799053"/>
         </p:xfrm>
         <a:graphic>
           <a:graphicData uri="http://schemas.openxmlformats.org/presentationml/2006/ole">
             <mc:AlternateContent xmlns:mc="http://schemas.openxmlformats.org/markup-compatibility/2006">
               <mc:Choice xmlns:v="urn:schemas-microsoft-com:vml" Requires="v">
-                <p:oleObj name="Equation" r:id="rId3" imgW="1574640" imgH="393480" progId="Equation.DSMT4">
+                <p:oleObj name="Equation" r:id="rId2" imgW="1904760" imgH="431640" progId="Equation.DSMT4">
                   <p:embed/>
                 </p:oleObj>
               </mc:Choice>
               <mc:Fallback>
-                <p:oleObj name="Equation" r:id="rId3" imgW="1574640" imgH="393480" progId="Equation.DSMT4">
+                <p:oleObj name="Equation" r:id="rId2" imgW="1904760" imgH="431640" progId="Equation.DSMT4">
                   <p:embed/>
                   <p:pic>
                     <p:nvPicPr>
@@ -18934,15 +20017,15 @@
                       <p:nvPr/>
                     </p:nvPicPr>
                     <p:blipFill>
-                      <a:blip r:embed="rId4"/>
+                      <a:blip r:embed="rId3"/>
                       <a:stretch>
                         <a:fillRect/>
                       </a:stretch>
                     </p:blipFill>
                     <p:spPr>
                       <a:xfrm>
-                        <a:off x="4022849" y="4355338"/>
-                        <a:ext cx="2560977" cy="640244"/>
+                        <a:off x="957043" y="3029473"/>
+                        <a:ext cx="3525234" cy="799053"/>
                       </a:xfrm>
                       <a:prstGeom prst="rect">
                         <a:avLst/>
@@ -18955,12 +20038,53 @@
           </a:graphicData>
         </a:graphic>
       </p:graphicFrame>
+      <p:pic>
+        <p:nvPicPr>
+          <p:cNvPr id="14" name="图片 13">
+            <a:extLst>
+              <a:ext uri="{FF2B5EF4-FFF2-40B4-BE49-F238E27FC236}">
+                <a16:creationId xmlns:a16="http://schemas.microsoft.com/office/drawing/2014/main" id="{9DBD3957-951A-4BBE-93FB-ED1C50CF843B}"/>
+              </a:ext>
+            </a:extLst>
+          </p:cNvPr>
+          <p:cNvPicPr>
+            <a:picLocks noChangeAspect="1"/>
+          </p:cNvPicPr>
+          <p:nvPr/>
+        </p:nvPicPr>
+        <p:blipFill>
+          <a:blip r:embed="rId4">
+            <a:clrChange>
+              <a:clrFrom>
+                <a:srgbClr val="FEFEFE"/>
+              </a:clrFrom>
+              <a:clrTo>
+                <a:srgbClr val="FEFEFE">
+                  <a:alpha val="0"/>
+                </a:srgbClr>
+              </a:clrTo>
+            </a:clrChange>
+          </a:blip>
+          <a:stretch>
+            <a:fillRect/>
+          </a:stretch>
+        </p:blipFill>
+        <p:spPr>
+          <a:xfrm>
+            <a:off x="6266328" y="1186917"/>
+            <a:ext cx="4290371" cy="4521036"/>
+          </a:xfrm>
+          <a:prstGeom prst="rect">
+            <a:avLst/>
+          </a:prstGeom>
+        </p:spPr>
+      </p:pic>
       <p:sp>
         <p:nvSpPr>
-          <p:cNvPr id="10" name="文本框 9">
+          <p:cNvPr id="16" name="文本框 15">
             <a:extLst>
               <a:ext uri="{FF2B5EF4-FFF2-40B4-BE49-F238E27FC236}">
-                <a16:creationId xmlns:a16="http://schemas.microsoft.com/office/drawing/2014/main" id="{8BD6236C-89BF-A8AA-DC65-B30AD4FCC0F1}"/>
+                <a16:creationId xmlns:a16="http://schemas.microsoft.com/office/drawing/2014/main" id="{9013F67E-F780-90E4-EB42-E7DDA5276BBA}"/>
               </a:ext>
             </a:extLst>
           </p:cNvPr>
@@ -18969,8 +20093,8 @@
         </p:nvSpPr>
         <p:spPr>
           <a:xfrm>
-            <a:off x="882464" y="5143623"/>
-            <a:ext cx="6094878" cy="369332"/>
+            <a:off x="3638168" y="6033184"/>
+            <a:ext cx="8303896" cy="646331"/>
           </a:xfrm>
           <a:prstGeom prst="rect">
             <a:avLst/>
@@ -18983,37 +20107,18 @@
           </a:bodyPr>
           <a:lstStyle/>
           <a:p>
-            <a:pPr marL="285750" indent="-285750">
-              <a:buFont typeface="Arial" panose="020B0604020202020204" pitchFamily="34" charset="0"/>
-              <a:buChar char="•"/>
-            </a:pPr>
-            <a:r>
-              <a:rPr lang="zh-CN" altLang="en-US" dirty="0"/>
-              <a:t>其中</a:t>
-            </a:r>
             <a:r>
               <a:rPr lang="en-US" altLang="zh-CN" dirty="0"/>
-              <a:t>D</a:t>
-            </a:r>
-            <a:r>
-              <a:rPr lang="zh-CN" altLang="en-US" dirty="0"/>
-              <a:t>是离散的二阶导算子或</a:t>
-            </a:r>
-            <a:r>
-              <a:rPr lang="en-US" altLang="zh-CN" dirty="0"/>
-              <a:t>TV</a:t>
-            </a:r>
-            <a:r>
-              <a:rPr lang="zh-CN" altLang="en-US" dirty="0"/>
-              <a:t>算子</a:t>
-            </a:r>
+              <a:t>[1] Lawson, C. L. and R. J. Hanson. Solving Least-Squares Problems. Upper Saddle River, NJ: Prentice Hall. 1974. Chapter 23, p. 161.</a:t>
+            </a:r>
+            <a:endParaRPr lang="zh-CN" altLang="en-US" dirty="0"/>
           </a:p>
         </p:txBody>
       </p:sp>
     </p:spTree>
     <p:extLst>
       <p:ext uri="{BB962C8B-B14F-4D97-AF65-F5344CB8AC3E}">
-        <p14:creationId xmlns:p14="http://schemas.microsoft.com/office/powerpoint/2010/main" val="3279083478"/>
+        <p14:creationId xmlns:p14="http://schemas.microsoft.com/office/powerpoint/2010/main" val="790310823"/>
       </p:ext>
     </p:extLst>
   </p:cSld>
@@ -19245,7 +20350,7 @@
         <p:spPr bwMode="auto">
           <a:xfrm>
             <a:off x="995221" y="118411"/>
-            <a:ext cx="2698175" cy="523220"/>
+            <a:ext cx="8860952" cy="523220"/>
           </a:xfrm>
           <a:prstGeom prst="rect">
             <a:avLst/>
@@ -19404,16 +20509,6 @@
               <a:defRPr/>
             </a:pPr>
             <a:r>
-              <a:rPr lang="zh-CN" altLang="en-US" sz="2800" b="1" dirty="0">
-                <a:solidFill>
-                  <a:srgbClr val="FFFFFF"/>
-                </a:solidFill>
-                <a:latin typeface="微软雅黑" panose="020B0503020204020204" pitchFamily="34" charset="-122"/>
-                <a:ea typeface="微软雅黑" panose="020B0503020204020204" pitchFamily="34" charset="-122"/>
-              </a:rPr>
-              <a:t>小结以及计划</a:t>
-            </a:r>
-            <a:r>
               <a:rPr kumimoji="0" lang="zh-CN" altLang="en-US" sz="2800" b="1" i="0" u="none" strike="noStrike" kern="1200" cap="none" spc="0" normalizeH="0" baseline="0" noProof="0" dirty="0">
                 <a:ln>
                   <a:noFill/>
@@ -19428,15 +20523,683 @@
                 <a:ea typeface="微软雅黑" panose="020B0503020204020204" pitchFamily="34" charset="-122"/>
                 <a:cs typeface="+mn-cs"/>
               </a:rPr>
-              <a:t>：</a:t>
-            </a:r>
+              <a:t>非负最小二乘</a:t>
+            </a:r>
+            <a:r>
+              <a:rPr lang="en-US" altLang="zh-CN" sz="2800" b="1" dirty="0">
+                <a:solidFill>
+                  <a:srgbClr val="FFFFFF"/>
+                </a:solidFill>
+                <a:latin typeface="微软雅黑" panose="020B0503020204020204" pitchFamily="34" charset="-122"/>
+                <a:ea typeface="微软雅黑" panose="020B0503020204020204" pitchFamily="34" charset="-122"/>
+              </a:rPr>
+              <a:t> </a:t>
+            </a:r>
+            <a:r>
+              <a:rPr kumimoji="0" lang="en-US" altLang="zh-CN" sz="2800" b="1" i="0" u="none" strike="noStrike" kern="1200" cap="none" spc="0" normalizeH="0" baseline="0" noProof="0" dirty="0">
+                <a:ln>
+                  <a:noFill/>
+                </a:ln>
+                <a:solidFill>
+                  <a:srgbClr val="FFFFFF"/>
+                </a:solidFill>
+                <a:effectLst/>
+                <a:uLnTx/>
+                <a:uFillTx/>
+                <a:latin typeface="微软雅黑" panose="020B0503020204020204" pitchFamily="34" charset="-122"/>
+                <a:ea typeface="微软雅黑" panose="020B0503020204020204" pitchFamily="34" charset="-122"/>
+                <a:cs typeface="+mn-cs"/>
+              </a:rPr>
+              <a:t>non-negative least squares (NNLS)</a:t>
+            </a:r>
+            <a:endParaRPr kumimoji="0" lang="zh-CN" altLang="en-US" sz="2800" b="1" i="0" u="none" strike="noStrike" kern="1200" cap="none" spc="0" normalizeH="0" baseline="0" noProof="0" dirty="0">
+              <a:ln>
+                <a:noFill/>
+              </a:ln>
+              <a:solidFill>
+                <a:srgbClr val="FFFFFF"/>
+              </a:solidFill>
+              <a:effectLst/>
+              <a:uLnTx/>
+              <a:uFillTx/>
+              <a:latin typeface="微软雅黑" panose="020B0503020204020204" pitchFamily="34" charset="-122"/>
+              <a:ea typeface="微软雅黑" panose="020B0503020204020204" pitchFamily="34" charset="-122"/>
+              <a:cs typeface="+mn-cs"/>
+            </a:endParaRPr>
           </a:p>
         </p:txBody>
       </p:sp>
+      <p:sp>
+        <p:nvSpPr>
+          <p:cNvPr id="4" name="文本框 3">
+            <a:extLst>
+              <a:ext uri="{FF2B5EF4-FFF2-40B4-BE49-F238E27FC236}">
+                <a16:creationId xmlns:a16="http://schemas.microsoft.com/office/drawing/2014/main" id="{ABC52C0E-11F3-50A4-0839-41C4293C987D}"/>
+              </a:ext>
+            </a:extLst>
+          </p:cNvPr>
+          <p:cNvSpPr txBox="1"/>
+          <p:nvPr/>
+        </p:nvSpPr>
+        <p:spPr>
+          <a:xfrm>
+            <a:off x="111073" y="1150047"/>
+            <a:ext cx="6155255" cy="414922"/>
+          </a:xfrm>
+          <a:prstGeom prst="rect">
+            <a:avLst/>
+          </a:prstGeom>
+          <a:noFill/>
+        </p:spPr>
+        <p:txBody>
+          <a:bodyPr wrap="square" rtlCol="0">
+            <a:spAutoFit/>
+          </a:bodyPr>
+          <a:lstStyle/>
+          <a:p>
+            <a:pPr marL="457200" indent="-171450" algn="just">
+              <a:lnSpc>
+                <a:spcPct val="150000"/>
+              </a:lnSpc>
+              <a:buFont typeface="Arial" panose="020B0604020202020204" pitchFamily="34" charset="0"/>
+              <a:buChar char="•"/>
+              <a:tabLst>
+                <a:tab pos="2635250" algn="ctr"/>
+                <a:tab pos="6416040" algn="r"/>
+              </a:tabLst>
+              <a:defRPr/>
+            </a:pPr>
+            <a:r>
+              <a:rPr lang="zh-CN" altLang="en-US" sz="1600" kern="100" dirty="0">
+                <a:solidFill>
+                  <a:srgbClr val="000000"/>
+                </a:solidFill>
+                <a:latin typeface="Times New Roman" panose="02020603050405020304" pitchFamily="18" charset="0"/>
+                <a:cs typeface="Times New Roman" panose="02020603050405020304" pitchFamily="18" charset="0"/>
+              </a:rPr>
+              <a:t>使用改进投影梯度法结合共轭梯度法来求解非负最小二乘</a:t>
+            </a:r>
+          </a:p>
+        </p:txBody>
+      </p:sp>
+      <p:pic>
+        <p:nvPicPr>
+          <p:cNvPr id="21" name="图片 20">
+            <a:extLst>
+              <a:ext uri="{FF2B5EF4-FFF2-40B4-BE49-F238E27FC236}">
+                <a16:creationId xmlns:a16="http://schemas.microsoft.com/office/drawing/2014/main" id="{966070C6-1EC4-0A5E-93F0-BC421A9649E7}"/>
+              </a:ext>
+            </a:extLst>
+          </p:cNvPr>
+          <p:cNvPicPr>
+            <a:picLocks noChangeAspect="1"/>
+          </p:cNvPicPr>
+          <p:nvPr/>
+        </p:nvPicPr>
+        <p:blipFill>
+          <a:blip r:embed="rId2"/>
+          <a:stretch>
+            <a:fillRect/>
+          </a:stretch>
+        </p:blipFill>
+        <p:spPr>
+          <a:xfrm>
+            <a:off x="2484113" y="1648202"/>
+            <a:ext cx="7223774" cy="3561595"/>
+          </a:xfrm>
+          <a:prstGeom prst="rect">
+            <a:avLst/>
+          </a:prstGeom>
+        </p:spPr>
+      </p:pic>
     </p:spTree>
     <p:extLst>
       <p:ext uri="{BB962C8B-B14F-4D97-AF65-F5344CB8AC3E}">
-        <p14:creationId xmlns:p14="http://schemas.microsoft.com/office/powerpoint/2010/main" val="2853810948"/>
+        <p14:creationId xmlns:p14="http://schemas.microsoft.com/office/powerpoint/2010/main" val="22712990"/>
+      </p:ext>
+    </p:extLst>
+  </p:cSld>
+  <p:clrMapOvr>
+    <a:masterClrMapping/>
+  </p:clrMapOvr>
+</p:sld>
+</file>
+
+<file path=ppt/slides/slide9.xml><?xml version="1.0" encoding="utf-8"?>
+<p:sld xmlns:a="http://schemas.openxmlformats.org/drawingml/2006/main" xmlns:r="http://schemas.openxmlformats.org/officeDocument/2006/relationships" xmlns:p="http://schemas.openxmlformats.org/presentationml/2006/main">
+  <p:cSld>
+    <p:spTree>
+      <p:nvGrpSpPr>
+        <p:cNvPr id="1" name=""/>
+        <p:cNvGrpSpPr/>
+        <p:nvPr/>
+      </p:nvGrpSpPr>
+      <p:grpSpPr>
+        <a:xfrm>
+          <a:off x="0" y="0"/>
+          <a:ext cx="0" cy="0"/>
+          <a:chOff x="0" y="0"/>
+          <a:chExt cx="0" cy="0"/>
+        </a:xfrm>
+      </p:grpSpPr>
+      <p:sp>
+        <p:nvSpPr>
+          <p:cNvPr id="2" name="灯片编号占位符 1">
+            <a:extLst>
+              <a:ext uri="{FF2B5EF4-FFF2-40B4-BE49-F238E27FC236}">
+                <a16:creationId xmlns:a16="http://schemas.microsoft.com/office/drawing/2014/main" id="{8F657C77-D2F8-58D6-4551-4611B3607013}"/>
+              </a:ext>
+            </a:extLst>
+          </p:cNvPr>
+          <p:cNvSpPr>
+            <a:spLocks noGrp="1"/>
+          </p:cNvSpPr>
+          <p:nvPr>
+            <p:ph type="sldNum" sz="quarter" idx="10"/>
+          </p:nvPr>
+        </p:nvSpPr>
+        <p:spPr/>
+        <p:txBody>
+          <a:bodyPr/>
+          <a:lstStyle/>
+          <a:p>
+            <a:pPr marL="0" marR="0" lvl="0" indent="0" algn="r" defTabSz="914400" rtl="0" eaLnBrk="0" fontAlgn="base" latinLnBrk="0" hangingPunct="0">
+              <a:lnSpc>
+                <a:spcPct val="100000"/>
+              </a:lnSpc>
+              <a:spcBef>
+                <a:spcPct val="0"/>
+              </a:spcBef>
+              <a:spcAft>
+                <a:spcPct val="0"/>
+              </a:spcAft>
+              <a:buClrTx/>
+              <a:buSzTx/>
+              <a:buFontTx/>
+              <a:buNone/>
+              <a:tabLst/>
+              <a:defRPr/>
+            </a:pPr>
+            <a:fld id="{6D4C5065-FF2D-4AF9-9993-DC80EA82CC7E}" type="slidenum">
+              <a:rPr kumimoji="0" lang="zh-CN" altLang="en-US" sz="1200" b="0" i="0" u="none" strike="noStrike" kern="1200" cap="none" spc="0" normalizeH="0" baseline="0" noProof="0" smtClean="0">
+                <a:ln>
+                  <a:noFill/>
+                </a:ln>
+                <a:solidFill>
+                  <a:srgbClr val="2F4D73"/>
+                </a:solidFill>
+                <a:effectLst/>
+                <a:uLnTx/>
+                <a:uFillTx/>
+                <a:latin typeface="Calibri" panose="020F0502020204030204" pitchFamily="34" charset="0"/>
+                <a:ea typeface="宋体" panose="02010600030101010101" pitchFamily="2" charset="-122"/>
+                <a:cs typeface="+mn-cs"/>
+              </a:rPr>
+              <a:pPr marL="0" marR="0" lvl="0" indent="0" algn="r" defTabSz="914400" rtl="0" eaLnBrk="0" fontAlgn="base" latinLnBrk="0" hangingPunct="0">
+                <a:lnSpc>
+                  <a:spcPct val="100000"/>
+                </a:lnSpc>
+                <a:spcBef>
+                  <a:spcPct val="0"/>
+                </a:spcBef>
+                <a:spcAft>
+                  <a:spcPct val="0"/>
+                </a:spcAft>
+                <a:buClrTx/>
+                <a:buSzTx/>
+                <a:buFontTx/>
+                <a:buNone/>
+                <a:tabLst/>
+                <a:defRPr/>
+              </a:pPr>
+              <a:t>9</a:t>
+            </a:fld>
+            <a:endParaRPr kumimoji="0" lang="zh-CN" altLang="en-US" sz="1200" b="0" i="0" u="none" strike="noStrike" kern="1200" cap="none" spc="0" normalizeH="0" baseline="0" noProof="0">
+              <a:ln>
+                <a:noFill/>
+              </a:ln>
+              <a:solidFill>
+                <a:srgbClr val="2F4D73"/>
+              </a:solidFill>
+              <a:effectLst/>
+              <a:uLnTx/>
+              <a:uFillTx/>
+              <a:latin typeface="Calibri" panose="020F0502020204030204" pitchFamily="34" charset="0"/>
+              <a:ea typeface="宋体" panose="02010600030101010101" pitchFamily="2" charset="-122"/>
+              <a:cs typeface="+mn-cs"/>
+            </a:endParaRPr>
+          </a:p>
+        </p:txBody>
+      </p:sp>
+      <p:sp>
+        <p:nvSpPr>
+          <p:cNvPr id="7" name="Rectangle 4">
+            <a:extLst>
+              <a:ext uri="{FF2B5EF4-FFF2-40B4-BE49-F238E27FC236}">
+                <a16:creationId xmlns:a16="http://schemas.microsoft.com/office/drawing/2014/main" id="{2328B997-D9AD-5AE8-ED6C-D970AA84644B}"/>
+              </a:ext>
+            </a:extLst>
+          </p:cNvPr>
+          <p:cNvSpPr>
+            <a:spLocks noChangeArrowheads="1"/>
+          </p:cNvSpPr>
+          <p:nvPr/>
+        </p:nvSpPr>
+        <p:spPr bwMode="auto">
+          <a:xfrm>
+            <a:off x="0" y="0"/>
+            <a:ext cx="12192000" cy="0"/>
+          </a:xfrm>
+          <a:prstGeom prst="rect">
+            <a:avLst/>
+          </a:prstGeom>
+          <a:noFill/>
+          <a:ln>
+            <a:noFill/>
+          </a:ln>
+          <a:effectLst/>
+          <a:extLst>
+            <a:ext uri="{909E8E84-426E-40DD-AFC4-6F175D3DCCD1}">
+              <a14:hiddenFill xmlns:a14="http://schemas.microsoft.com/office/drawing/2010/main">
+                <a:solidFill>
+                  <a:schemeClr val="accent1"/>
+                </a:solidFill>
+              </a14:hiddenFill>
+            </a:ext>
+            <a:ext uri="{91240B29-F687-4F45-9708-019B960494DF}">
+              <a14:hiddenLine xmlns:a14="http://schemas.microsoft.com/office/drawing/2010/main" w="9525">
+                <a:solidFill>
+                  <a:schemeClr val="tx1"/>
+                </a:solidFill>
+                <a:miter lim="800000"/>
+                <a:headEnd/>
+                <a:tailEnd/>
+              </a14:hiddenLine>
+            </a:ext>
+            <a:ext uri="{AF507438-7753-43E0-B8FC-AC1667EBCBE1}">
+              <a14:hiddenEffects xmlns:a14="http://schemas.microsoft.com/office/drawing/2010/main">
+                <a:effectLst>
+                  <a:outerShdw dist="35921" dir="2700000" algn="ctr" rotWithShape="0">
+                    <a:schemeClr val="bg2"/>
+                  </a:outerShdw>
+                </a:effectLst>
+              </a14:hiddenEffects>
+            </a:ext>
+          </a:extLst>
+        </p:spPr>
+        <p:txBody>
+          <a:bodyPr vert="horz" wrap="none" lIns="91440" tIns="45720" rIns="91440" bIns="45720" numCol="1" anchor="ctr" anchorCtr="0" compatLnSpc="1">
+            <a:prstTxWarp prst="textNoShape">
+              <a:avLst/>
+            </a:prstTxWarp>
+            <a:spAutoFit/>
+          </a:bodyPr>
+          <a:lstStyle/>
+          <a:p>
+            <a:pPr marL="0" marR="0" lvl="0" indent="0" algn="l" defTabSz="914400" rtl="0" eaLnBrk="0" fontAlgn="base" latinLnBrk="0" hangingPunct="0">
+              <a:lnSpc>
+                <a:spcPct val="100000"/>
+              </a:lnSpc>
+              <a:spcBef>
+                <a:spcPct val="0"/>
+              </a:spcBef>
+              <a:spcAft>
+                <a:spcPct val="0"/>
+              </a:spcAft>
+              <a:buClrTx/>
+              <a:buSzTx/>
+              <a:buFontTx/>
+              <a:buNone/>
+              <a:tabLst/>
+              <a:defRPr/>
+            </a:pPr>
+            <a:endParaRPr kumimoji="0" lang="zh-CN" altLang="en-US" sz="1800" b="0" i="0" u="none" strike="noStrike" kern="1200" cap="none" spc="0" normalizeH="0" baseline="0" noProof="0">
+              <a:ln>
+                <a:noFill/>
+              </a:ln>
+              <a:solidFill>
+                <a:srgbClr val="000000"/>
+              </a:solidFill>
+              <a:effectLst/>
+              <a:uLnTx/>
+              <a:uFillTx/>
+              <a:latin typeface="Calibri" panose="020F0502020204030204" pitchFamily="34" charset="0"/>
+              <a:ea typeface="宋体" panose="02010600030101010101" pitchFamily="2" charset="-122"/>
+              <a:cs typeface="+mn-cs"/>
+            </a:endParaRPr>
+          </a:p>
+        </p:txBody>
+      </p:sp>
+      <p:sp>
+        <p:nvSpPr>
+          <p:cNvPr id="11" name="文本框 2">
+            <a:extLst>
+              <a:ext uri="{FF2B5EF4-FFF2-40B4-BE49-F238E27FC236}">
+                <a16:creationId xmlns:a16="http://schemas.microsoft.com/office/drawing/2014/main" id="{E021EA55-0D4C-9C0F-DDCB-D99414B2F02F}"/>
+              </a:ext>
+            </a:extLst>
+          </p:cNvPr>
+          <p:cNvSpPr txBox="1">
+            <a:spLocks noChangeArrowheads="1"/>
+          </p:cNvSpPr>
+          <p:nvPr/>
+        </p:nvSpPr>
+        <p:spPr bwMode="auto">
+          <a:xfrm>
+            <a:off x="995221" y="118411"/>
+            <a:ext cx="3640740" cy="523220"/>
+          </a:xfrm>
+          <a:prstGeom prst="rect">
+            <a:avLst/>
+          </a:prstGeom>
+          <a:noFill/>
+          <a:ln>
+            <a:noFill/>
+          </a:ln>
+          <a:extLst>
+            <a:ext uri="{909E8E84-426E-40DD-AFC4-6F175D3DCCD1}">
+              <a14:hiddenFill xmlns:a14="http://schemas.microsoft.com/office/drawing/2010/main">
+                <a:solidFill>
+                  <a:srgbClr val="FFFFFF"/>
+                </a:solidFill>
+              </a14:hiddenFill>
+            </a:ext>
+            <a:ext uri="{91240B29-F687-4F45-9708-019B960494DF}">
+              <a14:hiddenLine xmlns:a14="http://schemas.microsoft.com/office/drawing/2010/main" w="9525">
+                <a:solidFill>
+                  <a:srgbClr val="000000"/>
+                </a:solidFill>
+                <a:miter lim="800000"/>
+                <a:headEnd/>
+                <a:tailEnd/>
+              </a14:hiddenLine>
+            </a:ext>
+          </a:extLst>
+        </p:spPr>
+        <p:txBody>
+          <a:bodyPr wrap="none">
+            <a:spAutoFit/>
+          </a:bodyPr>
+          <a:lstStyle>
+            <a:lvl1pPr>
+              <a:defRPr>
+                <a:solidFill>
+                  <a:schemeClr val="tx1"/>
+                </a:solidFill>
+                <a:latin typeface="Calibri" panose="020F0502020204030204" pitchFamily="34" charset="0"/>
+                <a:ea typeface="宋体" panose="02010600030101010101" pitchFamily="2" charset="-122"/>
+              </a:defRPr>
+            </a:lvl1pPr>
+            <a:lvl2pPr marL="742950" indent="-285750">
+              <a:defRPr>
+                <a:solidFill>
+                  <a:schemeClr val="tx1"/>
+                </a:solidFill>
+                <a:latin typeface="Calibri" panose="020F0502020204030204" pitchFamily="34" charset="0"/>
+                <a:ea typeface="宋体" panose="02010600030101010101" pitchFamily="2" charset="-122"/>
+              </a:defRPr>
+            </a:lvl2pPr>
+            <a:lvl3pPr marL="1143000" indent="-228600">
+              <a:defRPr>
+                <a:solidFill>
+                  <a:schemeClr val="tx1"/>
+                </a:solidFill>
+                <a:latin typeface="Calibri" panose="020F0502020204030204" pitchFamily="34" charset="0"/>
+                <a:ea typeface="宋体" panose="02010600030101010101" pitchFamily="2" charset="-122"/>
+              </a:defRPr>
+            </a:lvl3pPr>
+            <a:lvl4pPr marL="1600200" indent="-228600">
+              <a:defRPr>
+                <a:solidFill>
+                  <a:schemeClr val="tx1"/>
+                </a:solidFill>
+                <a:latin typeface="Calibri" panose="020F0502020204030204" pitchFamily="34" charset="0"/>
+                <a:ea typeface="宋体" panose="02010600030101010101" pitchFamily="2" charset="-122"/>
+              </a:defRPr>
+            </a:lvl4pPr>
+            <a:lvl5pPr marL="2057400" indent="-228600">
+              <a:defRPr>
+                <a:solidFill>
+                  <a:schemeClr val="tx1"/>
+                </a:solidFill>
+                <a:latin typeface="Calibri" panose="020F0502020204030204" pitchFamily="34" charset="0"/>
+                <a:ea typeface="宋体" panose="02010600030101010101" pitchFamily="2" charset="-122"/>
+              </a:defRPr>
+            </a:lvl5pPr>
+            <a:lvl6pPr marL="2514600" indent="-228600" eaLnBrk="0" fontAlgn="base" hangingPunct="0">
+              <a:spcBef>
+                <a:spcPct val="0"/>
+              </a:spcBef>
+              <a:spcAft>
+                <a:spcPct val="0"/>
+              </a:spcAft>
+              <a:defRPr>
+                <a:solidFill>
+                  <a:schemeClr val="tx1"/>
+                </a:solidFill>
+                <a:latin typeface="Calibri" panose="020F0502020204030204" pitchFamily="34" charset="0"/>
+                <a:ea typeface="宋体" panose="02010600030101010101" pitchFamily="2" charset="-122"/>
+              </a:defRPr>
+            </a:lvl6pPr>
+            <a:lvl7pPr marL="2971800" indent="-228600" eaLnBrk="0" fontAlgn="base" hangingPunct="0">
+              <a:spcBef>
+                <a:spcPct val="0"/>
+              </a:spcBef>
+              <a:spcAft>
+                <a:spcPct val="0"/>
+              </a:spcAft>
+              <a:defRPr>
+                <a:solidFill>
+                  <a:schemeClr val="tx1"/>
+                </a:solidFill>
+                <a:latin typeface="Calibri" panose="020F0502020204030204" pitchFamily="34" charset="0"/>
+                <a:ea typeface="宋体" panose="02010600030101010101" pitchFamily="2" charset="-122"/>
+              </a:defRPr>
+            </a:lvl7pPr>
+            <a:lvl8pPr marL="3429000" indent="-228600" eaLnBrk="0" fontAlgn="base" hangingPunct="0">
+              <a:spcBef>
+                <a:spcPct val="0"/>
+              </a:spcBef>
+              <a:spcAft>
+                <a:spcPct val="0"/>
+              </a:spcAft>
+              <a:defRPr>
+                <a:solidFill>
+                  <a:schemeClr val="tx1"/>
+                </a:solidFill>
+                <a:latin typeface="Calibri" panose="020F0502020204030204" pitchFamily="34" charset="0"/>
+                <a:ea typeface="宋体" panose="02010600030101010101" pitchFamily="2" charset="-122"/>
+              </a:defRPr>
+            </a:lvl8pPr>
+            <a:lvl9pPr marL="3886200" indent="-228600" eaLnBrk="0" fontAlgn="base" hangingPunct="0">
+              <a:spcBef>
+                <a:spcPct val="0"/>
+              </a:spcBef>
+              <a:spcAft>
+                <a:spcPct val="0"/>
+              </a:spcAft>
+              <a:defRPr>
+                <a:solidFill>
+                  <a:schemeClr val="tx1"/>
+                </a:solidFill>
+                <a:latin typeface="Calibri" panose="020F0502020204030204" pitchFamily="34" charset="0"/>
+                <a:ea typeface="宋体" panose="02010600030101010101" pitchFamily="2" charset="-122"/>
+              </a:defRPr>
+            </a:lvl9pPr>
+          </a:lstStyle>
+          <a:p>
+            <a:pPr marL="0" marR="0" lvl="0" indent="0" algn="l" defTabSz="914400" rtl="0" eaLnBrk="1" fontAlgn="base" latinLnBrk="0" hangingPunct="1">
+              <a:lnSpc>
+                <a:spcPct val="100000"/>
+              </a:lnSpc>
+              <a:spcBef>
+                <a:spcPct val="0"/>
+              </a:spcBef>
+              <a:spcAft>
+                <a:spcPct val="0"/>
+              </a:spcAft>
+              <a:buClrTx/>
+              <a:buSzTx/>
+              <a:buFontTx/>
+              <a:buNone/>
+              <a:tabLst/>
+              <a:defRPr/>
+            </a:pPr>
+            <a:r>
+              <a:rPr kumimoji="0" lang="en-US" altLang="zh-CN" sz="2800" b="1" i="0" u="none" strike="noStrike" kern="1200" cap="none" spc="0" normalizeH="0" baseline="0" noProof="0" dirty="0">
+                <a:ln>
+                  <a:noFill/>
+                </a:ln>
+                <a:solidFill>
+                  <a:srgbClr val="FFFFFF"/>
+                </a:solidFill>
+                <a:effectLst/>
+                <a:uLnTx/>
+                <a:uFillTx/>
+                <a:latin typeface="微软雅黑" panose="020B0503020204020204" pitchFamily="34" charset="-122"/>
+                <a:ea typeface="微软雅黑" panose="020B0503020204020204" pitchFamily="34" charset="-122"/>
+                <a:cs typeface="+mn-cs"/>
+              </a:rPr>
+              <a:t>NNLS(</a:t>
+            </a:r>
+            <a:r>
+              <a:rPr kumimoji="0" lang="zh-CN" altLang="en-US" sz="2800" b="1" i="0" u="none" strike="noStrike" kern="1200" cap="none" spc="0" normalizeH="0" baseline="0" noProof="0" dirty="0">
+                <a:ln>
+                  <a:noFill/>
+                </a:ln>
+                <a:solidFill>
+                  <a:srgbClr val="FFFFFF"/>
+                </a:solidFill>
+                <a:effectLst/>
+                <a:uLnTx/>
+                <a:uFillTx/>
+                <a:latin typeface="微软雅黑" panose="020B0503020204020204" pitchFamily="34" charset="-122"/>
+                <a:ea typeface="微软雅黑" panose="020B0503020204020204" pitchFamily="34" charset="-122"/>
+                <a:cs typeface="+mn-cs"/>
+              </a:rPr>
+              <a:t>非负最小二乘</a:t>
+            </a:r>
+            <a:r>
+              <a:rPr kumimoji="0" lang="en-US" altLang="zh-CN" sz="2800" b="1" i="0" u="none" strike="noStrike" kern="1200" cap="none" spc="0" normalizeH="0" baseline="0" noProof="0" dirty="0">
+                <a:ln>
+                  <a:noFill/>
+                </a:ln>
+                <a:solidFill>
+                  <a:srgbClr val="FFFFFF"/>
+                </a:solidFill>
+                <a:effectLst/>
+                <a:uLnTx/>
+                <a:uFillTx/>
+                <a:latin typeface="微软雅黑" panose="020B0503020204020204" pitchFamily="34" charset="-122"/>
+                <a:ea typeface="微软雅黑" panose="020B0503020204020204" pitchFamily="34" charset="-122"/>
+                <a:cs typeface="+mn-cs"/>
+              </a:rPr>
+              <a:t>)</a:t>
+            </a:r>
+            <a:endParaRPr kumimoji="0" lang="zh-CN" altLang="en-US" sz="2800" b="1" i="0" u="none" strike="noStrike" kern="1200" cap="none" spc="0" normalizeH="0" baseline="0" noProof="0" dirty="0">
+              <a:ln>
+                <a:noFill/>
+              </a:ln>
+              <a:solidFill>
+                <a:srgbClr val="FFFFFF"/>
+              </a:solidFill>
+              <a:effectLst/>
+              <a:uLnTx/>
+              <a:uFillTx/>
+              <a:latin typeface="微软雅黑" panose="020B0503020204020204" pitchFamily="34" charset="-122"/>
+              <a:ea typeface="微软雅黑" panose="020B0503020204020204" pitchFamily="34" charset="-122"/>
+              <a:cs typeface="+mn-cs"/>
+            </a:endParaRPr>
+          </a:p>
+        </p:txBody>
+      </p:sp>
+      <p:sp>
+        <p:nvSpPr>
+          <p:cNvPr id="4" name="文本框 3">
+            <a:extLst>
+              <a:ext uri="{FF2B5EF4-FFF2-40B4-BE49-F238E27FC236}">
+                <a16:creationId xmlns:a16="http://schemas.microsoft.com/office/drawing/2014/main" id="{ABC52C0E-11F3-50A4-0839-41C4293C987D}"/>
+              </a:ext>
+            </a:extLst>
+          </p:cNvPr>
+          <p:cNvSpPr txBox="1"/>
+          <p:nvPr/>
+        </p:nvSpPr>
+        <p:spPr>
+          <a:xfrm>
+            <a:off x="111073" y="1150047"/>
+            <a:ext cx="6155255" cy="414922"/>
+          </a:xfrm>
+          <a:prstGeom prst="rect">
+            <a:avLst/>
+          </a:prstGeom>
+          <a:noFill/>
+        </p:spPr>
+        <p:txBody>
+          <a:bodyPr wrap="square" rtlCol="0">
+            <a:spAutoFit/>
+          </a:bodyPr>
+          <a:lstStyle/>
+          <a:p>
+            <a:pPr marL="457200" indent="-171450" algn="just">
+              <a:lnSpc>
+                <a:spcPct val="150000"/>
+              </a:lnSpc>
+              <a:buFont typeface="Arial" panose="020B0604020202020204" pitchFamily="34" charset="0"/>
+              <a:buChar char="•"/>
+              <a:tabLst>
+                <a:tab pos="2635250" algn="ctr"/>
+                <a:tab pos="6416040" algn="r"/>
+              </a:tabLst>
+              <a:defRPr/>
+            </a:pPr>
+            <a:r>
+              <a:rPr lang="zh-CN" altLang="en-US" sz="1600" kern="100" dirty="0">
+                <a:solidFill>
+                  <a:srgbClr val="000000"/>
+                </a:solidFill>
+                <a:latin typeface="Times New Roman" panose="02020603050405020304" pitchFamily="18" charset="0"/>
+                <a:cs typeface="Times New Roman" panose="02020603050405020304" pitchFamily="18" charset="0"/>
+              </a:rPr>
+              <a:t>不同语言以及算法效率比较：</a:t>
+            </a:r>
+          </a:p>
+        </p:txBody>
+      </p:sp>
+      <p:pic>
+        <p:nvPicPr>
+          <p:cNvPr id="14" name="图片 13">
+            <a:extLst>
+              <a:ext uri="{FF2B5EF4-FFF2-40B4-BE49-F238E27FC236}">
+                <a16:creationId xmlns:a16="http://schemas.microsoft.com/office/drawing/2014/main" id="{CF91D41D-71A4-7B65-B45A-2B5356126EDF}"/>
+              </a:ext>
+            </a:extLst>
+          </p:cNvPr>
+          <p:cNvPicPr>
+            <a:picLocks noChangeAspect="1"/>
+          </p:cNvPicPr>
+          <p:nvPr/>
+        </p:nvPicPr>
+        <p:blipFill>
+          <a:blip r:embed="rId2"/>
+          <a:stretch>
+            <a:fillRect/>
+          </a:stretch>
+        </p:blipFill>
+        <p:spPr>
+          <a:xfrm>
+            <a:off x="2711042" y="1640800"/>
+            <a:ext cx="6769916" cy="4144617"/>
+          </a:xfrm>
+          <a:prstGeom prst="rect">
+            <a:avLst/>
+          </a:prstGeom>
+        </p:spPr>
+      </p:pic>
+    </p:spTree>
+    <p:extLst>
+      <p:ext uri="{BB962C8B-B14F-4D97-AF65-F5344CB8AC3E}">
+        <p14:creationId xmlns:p14="http://schemas.microsoft.com/office/powerpoint/2010/main" val="703963267"/>
       </p:ext>
     </p:extLst>
   </p:cSld>

--- a/简介.pptx
+++ b/简介.pptx
@@ -7,7 +7,7 @@
     <p:sldMasterId id="2147483690" r:id="rId3"/>
   </p:sldMasterIdLst>
   <p:notesMasterIdLst>
-    <p:notesMasterId r:id="rId15"/>
+    <p:notesMasterId r:id="rId16"/>
   </p:notesMasterIdLst>
   <p:sldIdLst>
     <p:sldId id="513" r:id="rId4"/>
@@ -21,11 +21,12 @@
     <p:sldId id="612" r:id="rId12"/>
     <p:sldId id="609" r:id="rId13"/>
     <p:sldId id="607" r:id="rId14"/>
+    <p:sldId id="613" r:id="rId15"/>
   </p:sldIdLst>
   <p:sldSz cx="12192000" cy="6858000"/>
   <p:notesSz cx="6858000" cy="9144000"/>
   <p:custDataLst>
-    <p:tags r:id="rId16"/>
+    <p:tags r:id="rId17"/>
   </p:custDataLst>
   <p:defaultTextStyle>
     <a:defPPr>
@@ -168,6 +169,7 @@
             <p14:sldId id="612"/>
             <p14:sldId id="609"/>
             <p14:sldId id="607"/>
+            <p14:sldId id="613"/>
           </p14:sldIdLst>
         </p14:section>
       </p14:sectionLst>
@@ -281,7 +283,7 @@
           <a:p>
             <a:fld id="{0AB425A7-BB31-4AA7-812E-6A317F667028}" type="datetimeFigureOut">
               <a:rPr lang="zh-CN" altLang="en-US" smtClean="0"/>
-              <a:t>2024/7/8</a:t>
+              <a:t>2024/7/10</a:t>
             </a:fld>
             <a:endParaRPr lang="zh-CN" altLang="en-US"/>
           </a:p>
@@ -4924,7 +4926,7 @@
                 <a:ea typeface="微软雅黑" panose="020B0503020204020204" pitchFamily="34" charset="-122"/>
                 <a:cs typeface="+mn-cs"/>
               </a:rPr>
-              <a:t>2024/7/8</a:t>
+              <a:t>2024/7/10</a:t>
             </a:fld>
             <a:endParaRPr kumimoji="0" lang="zh-CN" altLang="en-US" sz="1800" b="0" i="0" u="none" strike="noStrike" kern="1200" cap="none" spc="0" normalizeH="0" baseline="0" noProof="0" dirty="0">
               <a:ln>
@@ -10306,6 +10308,125 @@
 </p:sld>
 </file>
 
+<file path=ppt/slides/slide12.xml><?xml version="1.0" encoding="utf-8"?>
+<p:sld xmlns:a="http://schemas.openxmlformats.org/drawingml/2006/main" xmlns:r="http://schemas.openxmlformats.org/officeDocument/2006/relationships" xmlns:p="http://schemas.openxmlformats.org/presentationml/2006/main">
+  <p:cSld>
+    <p:spTree>
+      <p:nvGrpSpPr>
+        <p:cNvPr id="1" name=""/>
+        <p:cNvGrpSpPr/>
+        <p:nvPr/>
+      </p:nvGrpSpPr>
+      <p:grpSpPr>
+        <a:xfrm>
+          <a:off x="0" y="0"/>
+          <a:ext cx="0" cy="0"/>
+          <a:chOff x="0" y="0"/>
+          <a:chExt cx="0" cy="0"/>
+        </a:xfrm>
+      </p:grpSpPr>
+      <p:sp>
+        <p:nvSpPr>
+          <p:cNvPr id="2" name="灯片编号占位符 1">
+            <a:extLst>
+              <a:ext uri="{FF2B5EF4-FFF2-40B4-BE49-F238E27FC236}">
+                <a16:creationId xmlns:a16="http://schemas.microsoft.com/office/drawing/2014/main" id="{2E6FF280-FD10-74E1-B76E-C93E27247BB9}"/>
+              </a:ext>
+            </a:extLst>
+          </p:cNvPr>
+          <p:cNvSpPr>
+            <a:spLocks noGrp="1"/>
+          </p:cNvSpPr>
+          <p:nvPr>
+            <p:ph type="sldNum" sz="quarter" idx="10"/>
+          </p:nvPr>
+        </p:nvSpPr>
+        <p:spPr/>
+        <p:txBody>
+          <a:bodyPr/>
+          <a:lstStyle/>
+          <a:p>
+            <a:fld id="{6D4C5065-FF2D-4AF9-9993-DC80EA82CC7E}" type="slidenum">
+              <a:rPr lang="zh-CN" altLang="en-US" smtClean="0"/>
+              <a:t>12</a:t>
+            </a:fld>
+            <a:endParaRPr lang="zh-CN" altLang="en-US"/>
+          </a:p>
+        </p:txBody>
+      </p:sp>
+      <p:pic>
+        <p:nvPicPr>
+          <p:cNvPr id="4" name="图片 3">
+            <a:extLst>
+              <a:ext uri="{FF2B5EF4-FFF2-40B4-BE49-F238E27FC236}">
+                <a16:creationId xmlns:a16="http://schemas.microsoft.com/office/drawing/2014/main" id="{2F55C7B9-4128-B064-2C8A-D13BAC0E822C}"/>
+              </a:ext>
+            </a:extLst>
+          </p:cNvPr>
+          <p:cNvPicPr>
+            <a:picLocks noChangeAspect="1"/>
+          </p:cNvPicPr>
+          <p:nvPr/>
+        </p:nvPicPr>
+        <p:blipFill>
+          <a:blip r:embed="rId2"/>
+          <a:stretch>
+            <a:fillRect/>
+          </a:stretch>
+        </p:blipFill>
+        <p:spPr>
+          <a:xfrm>
+            <a:off x="628273" y="1879576"/>
+            <a:ext cx="5110726" cy="3702835"/>
+          </a:xfrm>
+          <a:prstGeom prst="rect">
+            <a:avLst/>
+          </a:prstGeom>
+        </p:spPr>
+      </p:pic>
+      <p:pic>
+        <p:nvPicPr>
+          <p:cNvPr id="6" name="图片 5">
+            <a:extLst>
+              <a:ext uri="{FF2B5EF4-FFF2-40B4-BE49-F238E27FC236}">
+                <a16:creationId xmlns:a16="http://schemas.microsoft.com/office/drawing/2014/main" id="{0BB9938A-F92B-6EF2-EDD2-2442CA8DE9CD}"/>
+              </a:ext>
+            </a:extLst>
+          </p:cNvPr>
+          <p:cNvPicPr>
+            <a:picLocks noChangeAspect="1"/>
+          </p:cNvPicPr>
+          <p:nvPr/>
+        </p:nvPicPr>
+        <p:blipFill>
+          <a:blip r:embed="rId3"/>
+          <a:stretch>
+            <a:fillRect/>
+          </a:stretch>
+        </p:blipFill>
+        <p:spPr>
+          <a:xfrm>
+            <a:off x="5940317" y="1879576"/>
+            <a:ext cx="5361667" cy="3706045"/>
+          </a:xfrm>
+          <a:prstGeom prst="rect">
+            <a:avLst/>
+          </a:prstGeom>
+        </p:spPr>
+      </p:pic>
+    </p:spTree>
+    <p:extLst>
+      <p:ext uri="{BB962C8B-B14F-4D97-AF65-F5344CB8AC3E}">
+        <p14:creationId xmlns:p14="http://schemas.microsoft.com/office/powerpoint/2010/main" val="2998496806"/>
+      </p:ext>
+    </p:extLst>
+  </p:cSld>
+  <p:clrMapOvr>
+    <a:masterClrMapping/>
+  </p:clrMapOvr>
+</p:sld>
+</file>
+
 <file path=ppt/slides/slide2.xml><?xml version="1.0" encoding="utf-8"?>
 <p:sld xmlns:a="http://schemas.openxmlformats.org/drawingml/2006/main" xmlns:r="http://schemas.openxmlformats.org/officeDocument/2006/relationships" xmlns:p="http://schemas.openxmlformats.org/presentationml/2006/main">
   <p:cSld>
@@ -10653,14 +10774,24 @@
               <a:defRPr/>
             </a:pPr>
             <a:r>
-              <a:rPr lang="zh-CN" altLang="en-US" sz="1400" kern="100" dirty="0">
+              <a:rPr lang="zh-CN" altLang="en-US" sz="1400" kern="100">
                 <a:solidFill>
                   <a:srgbClr val="000000"/>
                 </a:solidFill>
                 <a:latin typeface="Times New Roman" panose="02020603050405020304" pitchFamily="18" charset="0"/>
                 <a:cs typeface="Times New Roman" panose="02020603050405020304" pitchFamily="18" charset="0"/>
               </a:rPr>
-              <a:t>对于非负线性最小二乘法，多种语言都有现成的函数可以直接计算：</a:t>
+              <a:t>对于线性</a:t>
+            </a:r>
+            <a:r>
+              <a:rPr lang="zh-CN" altLang="en-US" sz="1400" kern="100" dirty="0">
+                <a:solidFill>
+                  <a:srgbClr val="000000"/>
+                </a:solidFill>
+                <a:latin typeface="Times New Roman" panose="02020603050405020304" pitchFamily="18" charset="0"/>
+                <a:cs typeface="Times New Roman" panose="02020603050405020304" pitchFamily="18" charset="0"/>
+              </a:rPr>
+              <a:t>最小二乘法，多种语言都有现成的函数可以直接计算：</a:t>
             </a:r>
             <a:endParaRPr lang="en-US" altLang="zh-CN" sz="1400" kern="100" dirty="0">
               <a:solidFill>
